--- a/MCMCpresentation.pptx
+++ b/MCMCpresentation.pptx
@@ -1,6 +1,6 @@
 
 <file path=ppt/presentation.xml><?xml version="1.0" encoding="utf-8"?>
-<p:presentation xmlns:a="http://schemas.openxmlformats.org/drawingml/2006/main" xmlns:r="http://schemas.openxmlformats.org/officeDocument/2006/relationships" xmlns:p="http://schemas.openxmlformats.org/presentationml/2006/main" autoCompressPictures="0">
+<p:presentation xmlns:a="http://schemas.openxmlformats.org/drawingml/2006/main" xmlns:r="http://schemas.openxmlformats.org/officeDocument/2006/relationships" xmlns:p="http://schemas.openxmlformats.org/presentationml/2006/main" saveSubsetFonts="1" autoCompressPictures="0">
   <p:sldMasterIdLst>
     <p:sldMasterId id="2147483648" r:id="rId1"/>
   </p:sldMasterIdLst>
@@ -8,7 +8,13 @@
     <p:sldId id="256" r:id="rId2"/>
     <p:sldId id="257" r:id="rId3"/>
     <p:sldId id="258" r:id="rId4"/>
-    <p:sldId id="259" r:id="rId5"/>
+    <p:sldId id="260" r:id="rId5"/>
+    <p:sldId id="261" r:id="rId6"/>
+    <p:sldId id="262" r:id="rId7"/>
+    <p:sldId id="263" r:id="rId8"/>
+    <p:sldId id="259" r:id="rId9"/>
+    <p:sldId id="266" r:id="rId10"/>
+    <p:sldId id="265" r:id="rId11"/>
   </p:sldIdLst>
   <p:sldSz cx="12192000" cy="6858000"/>
   <p:notesSz cx="6858000" cy="9144000"/>
@@ -107,6 +113,11 @@
       </a:defRPr>
     </a:lvl9pPr>
   </p:defaultTextStyle>
+  <p:extLst>
+    <p:ext uri="{EFAFB233-063F-42B5-8137-9DF3F51BA10A}">
+      <p15:sldGuideLst xmlns:p15="http://schemas.microsoft.com/office/powerpoint/2012/main"/>
+    </p:ext>
+  </p:extLst>
 </p:presentation>
 </file>
 
@@ -262,7 +273,7 @@
           <a:p>
             <a:fld id="{6AD6EE87-EBD5-4F12-A48A-63ACA297AC8F}" type="datetimeFigureOut">
               <a:rPr lang="en-US" dirty="0"/>
-              <a:t>11/29/2016</a:t>
+              <a:t>12/2/16</a:t>
             </a:fld>
             <a:endParaRPr lang="en-US" dirty="0"/>
           </a:p>
@@ -500,7 +511,7 @@
           <a:p>
             <a:fld id="{4CD73815-2707-4475-8F1A-B873CB631BB4}" type="datetimeFigureOut">
               <a:rPr lang="en-US" dirty="0"/>
-              <a:t>11/29/2016</a:t>
+              <a:t>12/2/16</a:t>
             </a:fld>
             <a:endParaRPr lang="en-US" dirty="0"/>
           </a:p>
@@ -675,7 +686,7 @@
           <a:p>
             <a:fld id="{2A4AFB99-0EAB-4182-AFF8-E214C82A68F6}" type="datetimeFigureOut">
               <a:rPr lang="en-US" dirty="0"/>
-              <a:t>11/29/2016</a:t>
+              <a:t>12/2/16</a:t>
             </a:fld>
             <a:endParaRPr lang="en-US" dirty="0"/>
           </a:p>
@@ -875,7 +886,7 @@
           <a:p>
             <a:fld id="{A5D3794B-289A-4A80-97D7-111025398D45}" type="datetimeFigureOut">
               <a:rPr lang="en-US" dirty="0"/>
-              <a:t>11/29/2016</a:t>
+              <a:t>12/2/16</a:t>
             </a:fld>
             <a:endParaRPr lang="en-US" dirty="0"/>
           </a:p>
@@ -1127,7 +1138,7 @@
           <a:p>
             <a:fld id="{5A61015F-7CC6-4D0A-9D87-873EA4C304CC}" type="datetimeFigureOut">
               <a:rPr lang="en-US" dirty="0"/>
-              <a:t>11/29/2016</a:t>
+              <a:t>12/2/16</a:t>
             </a:fld>
             <a:endParaRPr lang="en-US" dirty="0"/>
           </a:p>
@@ -1469,7 +1480,7 @@
           <a:p>
             <a:fld id="{93C6A301-0538-44EC-B09D-202E1042A48B}" type="datetimeFigureOut">
               <a:rPr lang="en-US" dirty="0"/>
-              <a:t>11/29/2016</a:t>
+              <a:t>12/2/16</a:t>
             </a:fld>
             <a:endParaRPr lang="en-US" dirty="0"/>
           </a:p>
@@ -1866,7 +1877,7 @@
           <a:p>
             <a:fld id="{D789574A-8875-45EF-8EA2-3CAA0F7ABC4C}" type="datetimeFigureOut">
               <a:rPr lang="en-US" dirty="0"/>
-              <a:t>11/29/2016</a:t>
+              <a:t>12/2/16</a:t>
             </a:fld>
             <a:endParaRPr lang="en-US" dirty="0"/>
           </a:p>
@@ -1979,7 +1990,7 @@
           <a:p>
             <a:fld id="{67EF4D4C-5367-4C26-9E2B-D8088D7FCA81}" type="datetimeFigureOut">
               <a:rPr lang="en-US" dirty="0"/>
-              <a:t>11/29/2016</a:t>
+              <a:t>12/2/16</a:t>
             </a:fld>
             <a:endParaRPr lang="en-US" dirty="0"/>
           </a:p>
@@ -2069,7 +2080,7 @@
           <a:p>
             <a:fld id="{56E91E96-98B0-4413-9547-46F3504108EF}" type="datetimeFigureOut">
               <a:rPr lang="en-US" dirty="0"/>
-              <a:t>11/29/2016</a:t>
+              <a:t>12/2/16</a:t>
             </a:fld>
             <a:endParaRPr lang="en-US" dirty="0"/>
           </a:p>
@@ -2354,7 +2365,7 @@
           <a:p>
             <a:fld id="{05C68B11-C5A8-448C-8CE9-B1A273C79CFC}" type="datetimeFigureOut">
               <a:rPr lang="en-US" dirty="0"/>
-              <a:t>11/29/2016</a:t>
+              <a:t>12/2/16</a:t>
             </a:fld>
             <a:endParaRPr lang="en-US" dirty="0"/>
           </a:p>
@@ -2629,7 +2640,7 @@
           <a:p>
             <a:fld id="{C7616CA0-919D-4A49-9C8A-62FDFB3A5183}" type="datetimeFigureOut">
               <a:rPr lang="en-US" dirty="0"/>
-              <a:t>11/29/2016</a:t>
+              <a:t>12/2/16</a:t>
             </a:fld>
             <a:endParaRPr lang="en-US" dirty="0"/>
           </a:p>
@@ -2875,7 +2886,7 @@
             <a:fld id="{90298CD5-6C1E-4009-B41F-6DF62E31D3BE}" type="datetimeFigureOut">
               <a:rPr lang="en-US" dirty="0"/>
               <a:pPr/>
-              <a:t>11/29/2016</a:t>
+              <a:t>12/2/16</a:t>
             </a:fld>
             <a:endParaRPr lang="en-US" dirty="0"/>
           </a:p>
@@ -4044,6 +4055,1414 @@
   <p:clrMapOvr>
     <a:masterClrMapping/>
   </p:clrMapOvr>
+  <p:timing>
+    <p:tnLst>
+      <p:par>
+        <p:cTn id="1" dur="indefinite" restart="never" nodeType="tmRoot"/>
+      </p:par>
+    </p:tnLst>
+  </p:timing>
+</p:sld>
+</file>
+
+<file path=ppt/slides/slide10.xml><?xml version="1.0" encoding="utf-8"?>
+<p:sld xmlns:a="http://schemas.openxmlformats.org/drawingml/2006/main" xmlns:r="http://schemas.openxmlformats.org/officeDocument/2006/relationships" xmlns:p="http://schemas.openxmlformats.org/presentationml/2006/main">
+  <p:cSld>
+    <p:spTree>
+      <p:nvGrpSpPr>
+        <p:cNvPr id="1" name=""/>
+        <p:cNvGrpSpPr/>
+        <p:nvPr/>
+      </p:nvGrpSpPr>
+      <p:grpSpPr>
+        <a:xfrm>
+          <a:off x="0" y="0"/>
+          <a:ext cx="0" cy="0"/>
+          <a:chOff x="0" y="0"/>
+          <a:chExt cx="0" cy="0"/>
+        </a:xfrm>
+      </p:grpSpPr>
+      <p:sp>
+        <p:nvSpPr>
+          <p:cNvPr id="2" name="Title 1"/>
+          <p:cNvSpPr>
+            <a:spLocks noGrp="1"/>
+          </p:cNvSpPr>
+          <p:nvPr>
+            <p:ph type="title"/>
+          </p:nvPr>
+        </p:nvSpPr>
+        <p:spPr/>
+        <p:txBody>
+          <a:bodyPr/>
+          <a:lstStyle/>
+          <a:p>
+            <a:r>
+              <a:rPr lang="en-US" dirty="0" smtClean="0"/>
+              <a:t>Transition matrix</a:t>
+            </a:r>
+            <a:endParaRPr lang="en-US" dirty="0"/>
+          </a:p>
+        </p:txBody>
+      </p:sp>
+      <mc:AlternateContent xmlns:mc="http://schemas.openxmlformats.org/markup-compatibility/2006">
+        <mc:Choice xmlns:a14="http://schemas.microsoft.com/office/drawing/2010/main" Requires="a14">
+          <p:sp>
+            <p:nvSpPr>
+              <p:cNvPr id="3" name="Content Placeholder 2"/>
+              <p:cNvSpPr>
+                <a:spLocks noGrp="1"/>
+              </p:cNvSpPr>
+              <p:nvPr>
+                <p:ph idx="1"/>
+              </p:nvPr>
+            </p:nvSpPr>
+            <p:spPr>
+              <a:xfrm>
+                <a:off x="1024128" y="2286000"/>
+                <a:ext cx="4534461" cy="4023360"/>
+              </a:xfrm>
+            </p:spPr>
+            <p:txBody>
+              <a:bodyPr>
+                <a:normAutofit fontScale="77500" lnSpcReduction="20000"/>
+              </a:bodyPr>
+              <a:lstStyle/>
+              <a:p>
+                <a14:m>
+                  <m:oMath xmlns:m="http://schemas.openxmlformats.org/officeDocument/2006/math">
+                    <m:d>
+                      <m:dPr>
+                        <m:begChr m:val="["/>
+                        <m:endChr m:val="]"/>
+                        <m:ctrlPr>
+                          <a:rPr lang="uk-UA" sz="4800" i="1" smtClean="0">
+                            <a:latin typeface="Cambria Math" charset="0"/>
+                          </a:rPr>
+                        </m:ctrlPr>
+                      </m:dPr>
+                      <m:e>
+                        <m:m>
+                          <m:mPr>
+                            <m:mcs>
+                              <m:mc>
+                                <m:mcPr>
+                                  <m:count m:val="5"/>
+                                  <m:mcJc m:val="center"/>
+                                </m:mcPr>
+                              </m:mc>
+                            </m:mcs>
+                            <m:ctrlPr>
+                              <a:rPr lang="uk-UA" sz="4800" b="0" i="1" smtClean="0">
+                                <a:latin typeface="Cambria Math" charset="0"/>
+                              </a:rPr>
+                            </m:ctrlPr>
+                          </m:mPr>
+                          <m:mr>
+                            <m:e>
+                              <m:f>
+                                <m:fPr>
+                                  <m:ctrlPr>
+                                    <a:rPr lang="en-US" sz="4800" b="0" i="1" smtClean="0">
+                                      <a:latin typeface="Cambria Math" charset="0"/>
+                                    </a:rPr>
+                                  </m:ctrlPr>
+                                </m:fPr>
+                                <m:num>
+                                  <m:r>
+                                    <m:rPr>
+                                      <m:brk m:alnAt="7"/>
+                                    </m:rPr>
+                                    <a:rPr lang="en-US" sz="4800" b="0" i="1" smtClean="0">
+                                      <a:latin typeface="Cambria Math" charset="0"/>
+                                    </a:rPr>
+                                    <m:t>1</m:t>
+                                  </m:r>
+                                </m:num>
+                                <m:den>
+                                  <m:r>
+                                    <m:rPr>
+                                      <m:brk m:alnAt="7"/>
+                                    </m:rPr>
+                                    <a:rPr lang="en-US" sz="4800" b="0" i="1" smtClean="0">
+                                      <a:latin typeface="Cambria Math" charset="0"/>
+                                    </a:rPr>
+                                    <m:t>2</m:t>
+                                  </m:r>
+                                </m:den>
+                              </m:f>
+                            </m:e>
+                            <m:e>
+                              <m:f>
+                                <m:fPr>
+                                  <m:ctrlPr>
+                                    <a:rPr lang="en-US" sz="4800" b="0" i="1" smtClean="0">
+                                      <a:latin typeface="Cambria Math" charset="0"/>
+                                    </a:rPr>
+                                  </m:ctrlPr>
+                                </m:fPr>
+                                <m:num>
+                                  <m:r>
+                                    <a:rPr lang="en-US" sz="4800" b="0" i="1" smtClean="0">
+                                      <a:latin typeface="Cambria Math" charset="0"/>
+                                    </a:rPr>
+                                    <m:t>1</m:t>
+                                  </m:r>
+                                </m:num>
+                                <m:den>
+                                  <m:r>
+                                    <a:rPr lang="en-US" sz="4800" b="0" i="1" smtClean="0">
+                                      <a:latin typeface="Cambria Math" charset="0"/>
+                                    </a:rPr>
+                                    <m:t>2</m:t>
+                                  </m:r>
+                                </m:den>
+                              </m:f>
+                            </m:e>
+                            <m:e>
+                              <m:r>
+                                <a:rPr lang="en-US" sz="4800" b="0" i="1" smtClean="0">
+                                  <a:latin typeface="Cambria Math" charset="0"/>
+                                </a:rPr>
+                                <m:t>0</m:t>
+                              </m:r>
+                            </m:e>
+                            <m:e>
+                              <m:r>
+                                <a:rPr lang="en-US" sz="4800" b="0" i="1" smtClean="0">
+                                  <a:latin typeface="Cambria Math" charset="0"/>
+                                </a:rPr>
+                                <m:t>0</m:t>
+                              </m:r>
+                            </m:e>
+                            <m:e>
+                              <m:r>
+                                <a:rPr lang="en-US" sz="4800" b="0" i="1" smtClean="0">
+                                  <a:latin typeface="Cambria Math" charset="0"/>
+                                </a:rPr>
+                                <m:t>0</m:t>
+                              </m:r>
+                            </m:e>
+                          </m:mr>
+                          <m:mr>
+                            <m:e>
+                              <m:f>
+                                <m:fPr>
+                                  <m:ctrlPr>
+                                    <a:rPr lang="en-US" sz="4800" b="0" i="1" smtClean="0">
+                                      <a:latin typeface="Cambria Math" charset="0"/>
+                                    </a:rPr>
+                                  </m:ctrlPr>
+                                </m:fPr>
+                                <m:num>
+                                  <m:r>
+                                    <a:rPr lang="en-US" sz="4800" b="0" i="1" smtClean="0">
+                                      <a:latin typeface="Cambria Math" charset="0"/>
+                                    </a:rPr>
+                                    <m:t>1</m:t>
+                                  </m:r>
+                                </m:num>
+                                <m:den>
+                                  <m:r>
+                                    <a:rPr lang="en-US" sz="4800" b="0" i="1" smtClean="0">
+                                      <a:latin typeface="Cambria Math" charset="0"/>
+                                    </a:rPr>
+                                    <m:t>4</m:t>
+                                  </m:r>
+                                </m:den>
+                              </m:f>
+                            </m:e>
+                            <m:e>
+                              <m:f>
+                                <m:fPr>
+                                  <m:ctrlPr>
+                                    <a:rPr lang="en-US" sz="4800" b="0" i="1" smtClean="0">
+                                      <a:latin typeface="Cambria Math" charset="0"/>
+                                    </a:rPr>
+                                  </m:ctrlPr>
+                                </m:fPr>
+                                <m:num>
+                                  <m:r>
+                                    <a:rPr lang="en-US" sz="4800" b="0" i="1" smtClean="0">
+                                      <a:latin typeface="Cambria Math" charset="0"/>
+                                    </a:rPr>
+                                    <m:t>1</m:t>
+                                  </m:r>
+                                </m:num>
+                                <m:den>
+                                  <m:r>
+                                    <a:rPr lang="en-US" sz="4800" b="0" i="1" smtClean="0">
+                                      <a:latin typeface="Cambria Math" charset="0"/>
+                                    </a:rPr>
+                                    <m:t>4</m:t>
+                                  </m:r>
+                                </m:den>
+                              </m:f>
+                            </m:e>
+                            <m:e>
+                              <m:f>
+                                <m:fPr>
+                                  <m:ctrlPr>
+                                    <a:rPr lang="en-US" sz="4800" b="0" i="1" smtClean="0">
+                                      <a:latin typeface="Cambria Math" charset="0"/>
+                                    </a:rPr>
+                                  </m:ctrlPr>
+                                </m:fPr>
+                                <m:num>
+                                  <m:r>
+                                    <a:rPr lang="en-US" sz="4800" b="0" i="1" smtClean="0">
+                                      <a:latin typeface="Cambria Math" charset="0"/>
+                                    </a:rPr>
+                                    <m:t>1</m:t>
+                                  </m:r>
+                                </m:num>
+                                <m:den>
+                                  <m:r>
+                                    <a:rPr lang="en-US" sz="4800" b="0" i="1" smtClean="0">
+                                      <a:latin typeface="Cambria Math" charset="0"/>
+                                    </a:rPr>
+                                    <m:t>2</m:t>
+                                  </m:r>
+                                </m:den>
+                              </m:f>
+                            </m:e>
+                            <m:e>
+                              <m:r>
+                                <a:rPr lang="en-US" sz="4800" b="0" i="1" smtClean="0">
+                                  <a:latin typeface="Cambria Math" charset="0"/>
+                                </a:rPr>
+                                <m:t>0</m:t>
+                              </m:r>
+                            </m:e>
+                            <m:e>
+                              <m:r>
+                                <a:rPr lang="en-US" sz="4800" b="0" i="1" smtClean="0">
+                                  <a:latin typeface="Cambria Math" charset="0"/>
+                                </a:rPr>
+                                <m:t>0</m:t>
+                              </m:r>
+                            </m:e>
+                          </m:mr>
+                          <m:mr>
+                            <m:e>
+                              <m:r>
+                                <a:rPr lang="en-US" sz="4800" b="0" i="1" smtClean="0">
+                                  <a:latin typeface="Cambria Math" charset="0"/>
+                                </a:rPr>
+                                <m:t>0</m:t>
+                              </m:r>
+                            </m:e>
+                            <m:e>
+                              <m:f>
+                                <m:fPr>
+                                  <m:ctrlPr>
+                                    <a:rPr lang="en-US" sz="4800" b="0" i="1" smtClean="0">
+                                      <a:latin typeface="Cambria Math" charset="0"/>
+                                    </a:rPr>
+                                  </m:ctrlPr>
+                                </m:fPr>
+                                <m:num>
+                                  <m:r>
+                                    <a:rPr lang="en-US" sz="4800" b="0" i="1" smtClean="0">
+                                      <a:latin typeface="Cambria Math" charset="0"/>
+                                    </a:rPr>
+                                    <m:t>1</m:t>
+                                  </m:r>
+                                </m:num>
+                                <m:den>
+                                  <m:r>
+                                    <a:rPr lang="en-US" sz="4800" b="0" i="1" smtClean="0">
+                                      <a:latin typeface="Cambria Math" charset="0"/>
+                                    </a:rPr>
+                                    <m:t>3</m:t>
+                                  </m:r>
+                                </m:den>
+                              </m:f>
+                            </m:e>
+                            <m:e>
+                              <m:f>
+                                <m:fPr>
+                                  <m:ctrlPr>
+                                    <a:rPr lang="en-US" sz="4800" b="0" i="1" smtClean="0">
+                                      <a:latin typeface="Cambria Math" charset="0"/>
+                                    </a:rPr>
+                                  </m:ctrlPr>
+                                </m:fPr>
+                                <m:num>
+                                  <m:r>
+                                    <a:rPr lang="en-US" sz="4800" b="0" i="1" smtClean="0">
+                                      <a:latin typeface="Cambria Math" charset="0"/>
+                                    </a:rPr>
+                                    <m:t>1</m:t>
+                                  </m:r>
+                                </m:num>
+                                <m:den>
+                                  <m:r>
+                                    <a:rPr lang="en-US" sz="4800" b="0" i="1" smtClean="0">
+                                      <a:latin typeface="Cambria Math" charset="0"/>
+                                    </a:rPr>
+                                    <m:t>6</m:t>
+                                  </m:r>
+                                </m:den>
+                              </m:f>
+                            </m:e>
+                            <m:e>
+                              <m:f>
+                                <m:fPr>
+                                  <m:ctrlPr>
+                                    <a:rPr lang="en-US" sz="4800" b="0" i="1" smtClean="0">
+                                      <a:latin typeface="Cambria Math" charset="0"/>
+                                    </a:rPr>
+                                  </m:ctrlPr>
+                                </m:fPr>
+                                <m:num>
+                                  <m:r>
+                                    <a:rPr lang="en-US" sz="4800" b="0" i="1" smtClean="0">
+                                      <a:latin typeface="Cambria Math" charset="0"/>
+                                    </a:rPr>
+                                    <m:t>1</m:t>
+                                  </m:r>
+                                </m:num>
+                                <m:den>
+                                  <m:r>
+                                    <a:rPr lang="en-US" sz="4800" b="0" i="1" smtClean="0">
+                                      <a:latin typeface="Cambria Math" charset="0"/>
+                                    </a:rPr>
+                                    <m:t>2</m:t>
+                                  </m:r>
+                                </m:den>
+                              </m:f>
+                            </m:e>
+                            <m:e>
+                              <m:r>
+                                <a:rPr lang="en-US" sz="4800" b="0" i="1" smtClean="0">
+                                  <a:latin typeface="Cambria Math" charset="0"/>
+                                </a:rPr>
+                                <m:t>0</m:t>
+                              </m:r>
+                            </m:e>
+                          </m:mr>
+                          <m:mr>
+                            <m:e>
+                              <m:r>
+                                <a:rPr lang="en-US" sz="4800" b="0" i="1" smtClean="0">
+                                  <a:latin typeface="Cambria Math" charset="0"/>
+                                </a:rPr>
+                                <m:t>0</m:t>
+                              </m:r>
+                            </m:e>
+                            <m:e>
+                              <m:r>
+                                <a:rPr lang="en-US" sz="4800" b="0" i="1" smtClean="0">
+                                  <a:latin typeface="Cambria Math" charset="0"/>
+                                </a:rPr>
+                                <m:t>0</m:t>
+                              </m:r>
+                            </m:e>
+                            <m:e>
+                              <m:f>
+                                <m:fPr>
+                                  <m:ctrlPr>
+                                    <a:rPr lang="en-US" sz="4800" b="0" i="1" smtClean="0">
+                                      <a:latin typeface="Cambria Math" charset="0"/>
+                                    </a:rPr>
+                                  </m:ctrlPr>
+                                </m:fPr>
+                                <m:num>
+                                  <m:r>
+                                    <a:rPr lang="en-US" sz="4800" b="0" i="1" smtClean="0">
+                                      <a:latin typeface="Cambria Math" charset="0"/>
+                                    </a:rPr>
+                                    <m:t>3</m:t>
+                                  </m:r>
+                                </m:num>
+                                <m:den>
+                                  <m:r>
+                                    <a:rPr lang="en-US" sz="4800" b="0" i="1" smtClean="0">
+                                      <a:latin typeface="Cambria Math" charset="0"/>
+                                    </a:rPr>
+                                    <m:t>8</m:t>
+                                  </m:r>
+                                </m:den>
+                              </m:f>
+                            </m:e>
+                            <m:e>
+                              <m:f>
+                                <m:fPr>
+                                  <m:ctrlPr>
+                                    <a:rPr lang="en-US" sz="4800" b="0" i="1" smtClean="0">
+                                      <a:latin typeface="Cambria Math" charset="0"/>
+                                    </a:rPr>
+                                  </m:ctrlPr>
+                                </m:fPr>
+                                <m:num>
+                                  <m:r>
+                                    <a:rPr lang="en-US" sz="4800" b="0" i="1" smtClean="0">
+                                      <a:latin typeface="Cambria Math" charset="0"/>
+                                    </a:rPr>
+                                    <m:t>1</m:t>
+                                  </m:r>
+                                </m:num>
+                                <m:den>
+                                  <m:r>
+                                    <a:rPr lang="en-US" sz="4800" b="0" i="1" smtClean="0">
+                                      <a:latin typeface="Cambria Math" charset="0"/>
+                                    </a:rPr>
+                                    <m:t>8</m:t>
+                                  </m:r>
+                                </m:den>
+                              </m:f>
+                            </m:e>
+                            <m:e>
+                              <m:f>
+                                <m:fPr>
+                                  <m:ctrlPr>
+                                    <a:rPr lang="en-US" sz="4800" b="0" i="1" smtClean="0">
+                                      <a:latin typeface="Cambria Math" charset="0"/>
+                                    </a:rPr>
+                                  </m:ctrlPr>
+                                </m:fPr>
+                                <m:num>
+                                  <m:r>
+                                    <a:rPr lang="en-US" sz="4800" b="0" i="1" smtClean="0">
+                                      <a:latin typeface="Cambria Math" charset="0"/>
+                                    </a:rPr>
+                                    <m:t>1</m:t>
+                                  </m:r>
+                                </m:num>
+                                <m:den>
+                                  <m:r>
+                                    <a:rPr lang="en-US" sz="4800" b="0" i="1" smtClean="0">
+                                      <a:latin typeface="Cambria Math" charset="0"/>
+                                    </a:rPr>
+                                    <m:t>2</m:t>
+                                  </m:r>
+                                </m:den>
+                              </m:f>
+                            </m:e>
+                          </m:mr>
+                          <m:mr>
+                            <m:e>
+                              <m:r>
+                                <a:rPr lang="en-US" sz="4800" b="0" i="1" smtClean="0">
+                                  <a:latin typeface="Cambria Math" charset="0"/>
+                                </a:rPr>
+                                <m:t>0</m:t>
+                              </m:r>
+                            </m:e>
+                            <m:e>
+                              <m:r>
+                                <a:rPr lang="en-US" sz="4800" b="0" i="1" smtClean="0">
+                                  <a:latin typeface="Cambria Math" charset="0"/>
+                                </a:rPr>
+                                <m:t>0</m:t>
+                              </m:r>
+                            </m:e>
+                            <m:e>
+                              <m:r>
+                                <a:rPr lang="en-US" sz="4800" b="0" i="1" smtClean="0">
+                                  <a:latin typeface="Cambria Math" charset="0"/>
+                                </a:rPr>
+                                <m:t>0</m:t>
+                              </m:r>
+                            </m:e>
+                            <m:e>
+                              <m:f>
+                                <m:fPr>
+                                  <m:ctrlPr>
+                                    <a:rPr lang="en-US" sz="4800" b="0" i="1" smtClean="0">
+                                      <a:latin typeface="Cambria Math" charset="0"/>
+                                    </a:rPr>
+                                  </m:ctrlPr>
+                                </m:fPr>
+                                <m:num>
+                                  <m:r>
+                                    <a:rPr lang="en-US" sz="4800" b="0" i="1" smtClean="0">
+                                      <a:latin typeface="Cambria Math" charset="0"/>
+                                    </a:rPr>
+                                    <m:t>2</m:t>
+                                  </m:r>
+                                </m:num>
+                                <m:den>
+                                  <m:r>
+                                    <a:rPr lang="en-US" sz="4800" b="0" i="1" smtClean="0">
+                                      <a:latin typeface="Cambria Math" charset="0"/>
+                                    </a:rPr>
+                                    <m:t>5</m:t>
+                                  </m:r>
+                                </m:den>
+                              </m:f>
+                            </m:e>
+                            <m:e>
+                              <m:f>
+                                <m:fPr>
+                                  <m:ctrlPr>
+                                    <a:rPr lang="en-US" sz="4800" b="0" i="1" smtClean="0">
+                                      <a:latin typeface="Cambria Math" charset="0"/>
+                                    </a:rPr>
+                                  </m:ctrlPr>
+                                </m:fPr>
+                                <m:num>
+                                  <m:r>
+                                    <a:rPr lang="en-US" sz="4800" b="0" i="1" smtClean="0">
+                                      <a:latin typeface="Cambria Math" charset="0"/>
+                                    </a:rPr>
+                                    <m:t>3</m:t>
+                                  </m:r>
+                                </m:num>
+                                <m:den>
+                                  <m:r>
+                                    <a:rPr lang="en-US" sz="4800" b="0" i="1" smtClean="0">
+                                      <a:latin typeface="Cambria Math" charset="0"/>
+                                    </a:rPr>
+                                    <m:t>5</m:t>
+                                  </m:r>
+                                </m:den>
+                              </m:f>
+                            </m:e>
+                          </m:mr>
+                        </m:m>
+                      </m:e>
+                    </m:d>
+                  </m:oMath>
+                </a14:m>
+                <a:endParaRPr lang="en-US" sz="4800" dirty="0"/>
+              </a:p>
+            </p:txBody>
+          </p:sp>
+        </mc:Choice>
+        <mc:Fallback>
+          <p:sp>
+            <p:nvSpPr>
+              <p:cNvPr id="3" name="Content Placeholder 2"/>
+              <p:cNvSpPr>
+                <a:spLocks noGrp="1" noRot="1" noChangeAspect="1" noMove="1" noResize="1" noEditPoints="1" noAdjustHandles="1" noChangeArrowheads="1" noChangeShapeType="1" noTextEdit="1"/>
+              </p:cNvSpPr>
+              <p:nvPr>
+                <p:ph idx="1"/>
+              </p:nvPr>
+            </p:nvSpPr>
+            <p:spPr>
+              <a:xfrm>
+                <a:off x="1024128" y="2286000"/>
+                <a:ext cx="4534461" cy="4023360"/>
+              </a:xfrm>
+              <a:blipFill rotWithShape="0">
+                <a:blip r:embed="rId2"/>
+                <a:stretch>
+                  <a:fillRect t="-5152" b="-606"/>
+                </a:stretch>
+              </a:blipFill>
+            </p:spPr>
+            <p:txBody>
+              <a:bodyPr/>
+              <a:lstStyle/>
+              <a:p>
+                <a:r>
+                  <a:rPr lang="en-US">
+                    <a:noFill/>
+                  </a:rPr>
+                  <a:t> </a:t>
+                </a:r>
+              </a:p>
+            </p:txBody>
+          </p:sp>
+        </mc:Fallback>
+      </mc:AlternateContent>
+      <mc:AlternateContent xmlns:mc="http://schemas.openxmlformats.org/markup-compatibility/2006">
+        <mc:Choice xmlns:a14="http://schemas.microsoft.com/office/drawing/2010/main" Requires="a14">
+          <p:sp>
+            <p:nvSpPr>
+              <p:cNvPr id="4" name="Content Placeholder 2"/>
+              <p:cNvSpPr txBox="1">
+                <a:spLocks/>
+              </p:cNvSpPr>
+              <p:nvPr/>
+            </p:nvSpPr>
+            <p:spPr>
+              <a:xfrm>
+                <a:off x="6783244" y="2286000"/>
+                <a:ext cx="4534461" cy="4023360"/>
+              </a:xfrm>
+              <a:prstGeom prst="rect">
+                <a:avLst/>
+              </a:prstGeom>
+            </p:spPr>
+            <p:txBody>
+              <a:bodyPr vert="horz" lIns="45720" tIns="45720" rIns="45720" bIns="45720" rtlCol="0">
+                <a:normAutofit fontScale="77500" lnSpcReduction="20000"/>
+              </a:bodyPr>
+              <a:lstStyle>
+                <a:lvl1pPr marL="91440" indent="-91440" algn="l" defTabSz="914400" rtl="0" eaLnBrk="1" latinLnBrk="0" hangingPunct="1">
+                  <a:lnSpc>
+                    <a:spcPct val="90000"/>
+                  </a:lnSpc>
+                  <a:spcBef>
+                    <a:spcPts val="1200"/>
+                  </a:spcBef>
+                  <a:spcAft>
+                    <a:spcPts val="200"/>
+                  </a:spcAft>
+                  <a:buClr>
+                    <a:schemeClr val="accent2"/>
+                  </a:buClr>
+                  <a:buSzPct val="100000"/>
+                  <a:buFont typeface="Tw Cen MT" panose="020B0602020104020603" pitchFamily="34" charset="0"/>
+                  <a:buChar char=" "/>
+                  <a:defRPr sz="2200" kern="1200">
+                    <a:solidFill>
+                      <a:schemeClr val="tx1"/>
+                    </a:solidFill>
+                    <a:latin typeface="+mn-lt"/>
+                    <a:ea typeface="+mn-ea"/>
+                    <a:cs typeface="+mn-cs"/>
+                  </a:defRPr>
+                </a:lvl1pPr>
+                <a:lvl2pPr marL="265176" indent="-137160" algn="l" defTabSz="914400" rtl="0" eaLnBrk="1" latinLnBrk="0" hangingPunct="1">
+                  <a:lnSpc>
+                    <a:spcPct val="90000"/>
+                  </a:lnSpc>
+                  <a:spcBef>
+                    <a:spcPts val="200"/>
+                  </a:spcBef>
+                  <a:spcAft>
+                    <a:spcPts val="400"/>
+                  </a:spcAft>
+                  <a:buClr>
+                    <a:schemeClr val="accent2"/>
+                  </a:buClr>
+                  <a:buFont typeface="Wingdings 3" pitchFamily="18" charset="2"/>
+                  <a:buChar char=""/>
+                  <a:defRPr sz="1800" kern="1200">
+                    <a:solidFill>
+                      <a:schemeClr val="tx1"/>
+                    </a:solidFill>
+                    <a:latin typeface="+mn-lt"/>
+                    <a:ea typeface="+mn-ea"/>
+                    <a:cs typeface="+mn-cs"/>
+                  </a:defRPr>
+                </a:lvl2pPr>
+                <a:lvl3pPr marL="448056" indent="-137160" algn="l" defTabSz="914400" rtl="0" eaLnBrk="1" latinLnBrk="0" hangingPunct="1">
+                  <a:lnSpc>
+                    <a:spcPct val="90000"/>
+                  </a:lnSpc>
+                  <a:spcBef>
+                    <a:spcPts val="200"/>
+                  </a:spcBef>
+                  <a:spcAft>
+                    <a:spcPts val="400"/>
+                  </a:spcAft>
+                  <a:buClr>
+                    <a:schemeClr val="accent2"/>
+                  </a:buClr>
+                  <a:buFont typeface="Wingdings 3" pitchFamily="18" charset="2"/>
+                  <a:buChar char=""/>
+                  <a:defRPr sz="1400" kern="1200">
+                    <a:solidFill>
+                      <a:schemeClr val="tx1"/>
+                    </a:solidFill>
+                    <a:latin typeface="+mn-lt"/>
+                    <a:ea typeface="+mn-ea"/>
+                    <a:cs typeface="+mn-cs"/>
+                  </a:defRPr>
+                </a:lvl3pPr>
+                <a:lvl4pPr marL="594360" indent="-137160" algn="l" defTabSz="914400" rtl="0" eaLnBrk="1" latinLnBrk="0" hangingPunct="1">
+                  <a:lnSpc>
+                    <a:spcPct val="90000"/>
+                  </a:lnSpc>
+                  <a:spcBef>
+                    <a:spcPts val="200"/>
+                  </a:spcBef>
+                  <a:spcAft>
+                    <a:spcPts val="400"/>
+                  </a:spcAft>
+                  <a:buClr>
+                    <a:schemeClr val="accent2"/>
+                  </a:buClr>
+                  <a:buFont typeface="Wingdings 3" pitchFamily="18" charset="2"/>
+                  <a:buChar char=""/>
+                  <a:defRPr sz="1400" kern="1200">
+                    <a:solidFill>
+                      <a:schemeClr val="tx1"/>
+                    </a:solidFill>
+                    <a:latin typeface="+mn-lt"/>
+                    <a:ea typeface="+mn-ea"/>
+                    <a:cs typeface="+mn-cs"/>
+                  </a:defRPr>
+                </a:lvl4pPr>
+                <a:lvl5pPr marL="777240" indent="-137160" algn="l" defTabSz="914400" rtl="0" eaLnBrk="1" latinLnBrk="0" hangingPunct="1">
+                  <a:lnSpc>
+                    <a:spcPct val="90000"/>
+                  </a:lnSpc>
+                  <a:spcBef>
+                    <a:spcPts val="200"/>
+                  </a:spcBef>
+                  <a:spcAft>
+                    <a:spcPts val="400"/>
+                  </a:spcAft>
+                  <a:buClr>
+                    <a:schemeClr val="accent2"/>
+                  </a:buClr>
+                  <a:buFont typeface="Wingdings 3" pitchFamily="18" charset="2"/>
+                  <a:buChar char=""/>
+                  <a:defRPr sz="1400" kern="1200">
+                    <a:solidFill>
+                      <a:schemeClr val="tx1"/>
+                    </a:solidFill>
+                    <a:latin typeface="+mn-lt"/>
+                    <a:ea typeface="+mn-ea"/>
+                    <a:cs typeface="+mn-cs"/>
+                  </a:defRPr>
+                </a:lvl5pPr>
+                <a:lvl6pPr marL="914400" indent="-137160" algn="l" defTabSz="914400" rtl="0" eaLnBrk="1" latinLnBrk="0" hangingPunct="1">
+                  <a:lnSpc>
+                    <a:spcPct val="90000"/>
+                  </a:lnSpc>
+                  <a:spcBef>
+                    <a:spcPts val="200"/>
+                  </a:spcBef>
+                  <a:spcAft>
+                    <a:spcPts val="400"/>
+                  </a:spcAft>
+                  <a:buClr>
+                    <a:schemeClr val="accent2"/>
+                  </a:buClr>
+                  <a:buFont typeface="Wingdings 3" pitchFamily="18" charset="2"/>
+                  <a:buChar char=""/>
+                  <a:defRPr sz="1400" kern="1200">
+                    <a:solidFill>
+                      <a:schemeClr val="tx1"/>
+                    </a:solidFill>
+                    <a:latin typeface="+mn-lt"/>
+                    <a:ea typeface="+mn-ea"/>
+                    <a:cs typeface="+mn-cs"/>
+                  </a:defRPr>
+                </a:lvl6pPr>
+                <a:lvl7pPr marL="1060704" indent="-137160" algn="l" defTabSz="914400" rtl="0" eaLnBrk="1" latinLnBrk="0" hangingPunct="1">
+                  <a:lnSpc>
+                    <a:spcPct val="90000"/>
+                  </a:lnSpc>
+                  <a:spcBef>
+                    <a:spcPts val="200"/>
+                  </a:spcBef>
+                  <a:spcAft>
+                    <a:spcPts val="400"/>
+                  </a:spcAft>
+                  <a:buClr>
+                    <a:schemeClr val="accent2"/>
+                  </a:buClr>
+                  <a:buFont typeface="Wingdings 3" pitchFamily="18" charset="2"/>
+                  <a:buChar char=""/>
+                  <a:defRPr sz="1400" kern="1200">
+                    <a:solidFill>
+                      <a:schemeClr val="tx1"/>
+                    </a:solidFill>
+                    <a:latin typeface="+mn-lt"/>
+                    <a:ea typeface="+mn-ea"/>
+                    <a:cs typeface="+mn-cs"/>
+                  </a:defRPr>
+                </a:lvl7pPr>
+                <a:lvl8pPr marL="1216152" indent="-137160" algn="l" defTabSz="914400" rtl="0" eaLnBrk="1" latinLnBrk="0" hangingPunct="1">
+                  <a:lnSpc>
+                    <a:spcPct val="90000"/>
+                  </a:lnSpc>
+                  <a:spcBef>
+                    <a:spcPts val="200"/>
+                  </a:spcBef>
+                  <a:spcAft>
+                    <a:spcPts val="400"/>
+                  </a:spcAft>
+                  <a:buClr>
+                    <a:schemeClr val="accent2"/>
+                  </a:buClr>
+                  <a:buFont typeface="Wingdings 3" pitchFamily="18" charset="2"/>
+                  <a:buChar char=""/>
+                  <a:defRPr sz="1400" kern="1200">
+                    <a:solidFill>
+                      <a:schemeClr val="tx1"/>
+                    </a:solidFill>
+                    <a:latin typeface="+mn-lt"/>
+                    <a:ea typeface="+mn-ea"/>
+                    <a:cs typeface="+mn-cs"/>
+                  </a:defRPr>
+                </a:lvl8pPr>
+                <a:lvl9pPr marL="1362456" indent="-137160" algn="l" defTabSz="914400" rtl="0" eaLnBrk="1" latinLnBrk="0" hangingPunct="1">
+                  <a:lnSpc>
+                    <a:spcPct val="90000"/>
+                  </a:lnSpc>
+                  <a:spcBef>
+                    <a:spcPts val="200"/>
+                  </a:spcBef>
+                  <a:spcAft>
+                    <a:spcPts val="400"/>
+                  </a:spcAft>
+                  <a:buClr>
+                    <a:schemeClr val="accent2"/>
+                  </a:buClr>
+                  <a:buFont typeface="Wingdings 3" pitchFamily="18" charset="2"/>
+                  <a:buChar char=""/>
+                  <a:defRPr sz="1400" kern="1200">
+                    <a:solidFill>
+                      <a:schemeClr val="tx1"/>
+                    </a:solidFill>
+                    <a:latin typeface="+mn-lt"/>
+                    <a:ea typeface="+mn-ea"/>
+                    <a:cs typeface="+mn-cs"/>
+                  </a:defRPr>
+                </a:lvl9pPr>
+              </a:lstStyle>
+              <a:p>
+                <a14:m>
+                  <m:oMath xmlns:m="http://schemas.openxmlformats.org/officeDocument/2006/math">
+                    <m:d>
+                      <m:dPr>
+                        <m:begChr m:val="["/>
+                        <m:endChr m:val="]"/>
+                        <m:ctrlPr>
+                          <a:rPr lang="uk-UA" sz="4800" i="1" smtClean="0">
+                            <a:latin typeface="Cambria Math" charset="0"/>
+                          </a:rPr>
+                        </m:ctrlPr>
+                      </m:dPr>
+                      <m:e>
+                        <m:m>
+                          <m:mPr>
+                            <m:mcs>
+                              <m:mc>
+                                <m:mcPr>
+                                  <m:count m:val="5"/>
+                                  <m:mcJc m:val="center"/>
+                                </m:mcPr>
+                              </m:mc>
+                            </m:mcs>
+                            <m:ctrlPr>
+                              <a:rPr lang="uk-UA" sz="4800" i="1" smtClean="0">
+                                <a:latin typeface="Cambria Math" charset="0"/>
+                              </a:rPr>
+                            </m:ctrlPr>
+                          </m:mPr>
+                          <m:mr>
+                            <m:e>
+                              <m:f>
+                                <m:fPr>
+                                  <m:ctrlPr>
+                                    <a:rPr lang="en-US" sz="4800" i="1" smtClean="0">
+                                      <a:latin typeface="Cambria Math" charset="0"/>
+                                    </a:rPr>
+                                  </m:ctrlPr>
+                                </m:fPr>
+                                <m:num>
+                                  <m:r>
+                                    <m:rPr>
+                                      <m:brk m:alnAt="7"/>
+                                    </m:rPr>
+                                    <a:rPr lang="en-US" sz="4800" i="1" smtClean="0">
+                                      <a:latin typeface="Cambria Math" charset="0"/>
+                                    </a:rPr>
+                                    <m:t>1</m:t>
+                                  </m:r>
+                                </m:num>
+                                <m:den>
+                                  <m:r>
+                                    <m:rPr>
+                                      <m:brk m:alnAt="7"/>
+                                    </m:rPr>
+                                    <a:rPr lang="en-US" sz="4800" i="1" smtClean="0">
+                                      <a:latin typeface="Cambria Math" charset="0"/>
+                                    </a:rPr>
+                                    <m:t>2</m:t>
+                                  </m:r>
+                                </m:den>
+                              </m:f>
+                            </m:e>
+                            <m:e>
+                              <m:f>
+                                <m:fPr>
+                                  <m:ctrlPr>
+                                    <a:rPr lang="en-US" sz="4800" i="1" smtClean="0">
+                                      <a:latin typeface="Cambria Math" charset="0"/>
+                                    </a:rPr>
+                                  </m:ctrlPr>
+                                </m:fPr>
+                                <m:num>
+                                  <m:r>
+                                    <a:rPr lang="en-US" sz="4800" i="1" smtClean="0">
+                                      <a:latin typeface="Cambria Math" charset="0"/>
+                                    </a:rPr>
+                                    <m:t>1</m:t>
+                                  </m:r>
+                                </m:num>
+                                <m:den>
+                                  <m:r>
+                                    <a:rPr lang="en-US" sz="4800" i="1" smtClean="0">
+                                      <a:latin typeface="Cambria Math" charset="0"/>
+                                    </a:rPr>
+                                    <m:t>2</m:t>
+                                  </m:r>
+                                </m:den>
+                              </m:f>
+                            </m:e>
+                            <m:e>
+                              <m:r>
+                                <a:rPr lang="en-US" sz="4800" i="1" smtClean="0">
+                                  <a:latin typeface="Cambria Math" charset="0"/>
+                                </a:rPr>
+                                <m:t>0</m:t>
+                              </m:r>
+                            </m:e>
+                            <m:e>
+                              <m:r>
+                                <a:rPr lang="en-US" sz="4800" i="1" smtClean="0">
+                                  <a:latin typeface="Cambria Math" charset="0"/>
+                                </a:rPr>
+                                <m:t>0</m:t>
+                              </m:r>
+                            </m:e>
+                            <m:e>
+                              <m:r>
+                                <a:rPr lang="en-US" sz="4800" i="1" smtClean="0">
+                                  <a:latin typeface="Cambria Math" charset="0"/>
+                                </a:rPr>
+                                <m:t>0</m:t>
+                              </m:r>
+                            </m:e>
+                          </m:mr>
+                          <m:mr>
+                            <m:e>
+                              <m:f>
+                                <m:fPr>
+                                  <m:ctrlPr>
+                                    <a:rPr lang="en-US" sz="4800" i="1" smtClean="0">
+                                      <a:latin typeface="Cambria Math" charset="0"/>
+                                    </a:rPr>
+                                  </m:ctrlPr>
+                                </m:fPr>
+                                <m:num>
+                                  <m:r>
+                                    <a:rPr lang="en-US" sz="4800" i="1" smtClean="0">
+                                      <a:latin typeface="Cambria Math" charset="0"/>
+                                    </a:rPr>
+                                    <m:t>1</m:t>
+                                  </m:r>
+                                </m:num>
+                                <m:den>
+                                  <m:r>
+                                    <a:rPr lang="en-US" sz="4800" i="1" smtClean="0">
+                                      <a:latin typeface="Cambria Math" charset="0"/>
+                                    </a:rPr>
+                                    <m:t>4</m:t>
+                                  </m:r>
+                                </m:den>
+                              </m:f>
+                            </m:e>
+                            <m:e>
+                              <m:f>
+                                <m:fPr>
+                                  <m:ctrlPr>
+                                    <a:rPr lang="en-US" sz="4800" i="1" smtClean="0">
+                                      <a:latin typeface="Cambria Math" charset="0"/>
+                                    </a:rPr>
+                                  </m:ctrlPr>
+                                </m:fPr>
+                                <m:num>
+                                  <m:r>
+                                    <a:rPr lang="en-US" sz="4800" i="1" smtClean="0">
+                                      <a:latin typeface="Cambria Math" charset="0"/>
+                                    </a:rPr>
+                                    <m:t>1</m:t>
+                                  </m:r>
+                                </m:num>
+                                <m:den>
+                                  <m:r>
+                                    <a:rPr lang="en-US" sz="4800" i="1" smtClean="0">
+                                      <a:latin typeface="Cambria Math" charset="0"/>
+                                    </a:rPr>
+                                    <m:t>4</m:t>
+                                  </m:r>
+                                </m:den>
+                              </m:f>
+                            </m:e>
+                            <m:e>
+                              <m:f>
+                                <m:fPr>
+                                  <m:ctrlPr>
+                                    <a:rPr lang="en-US" sz="4800" i="1" smtClean="0">
+                                      <a:latin typeface="Cambria Math" charset="0"/>
+                                    </a:rPr>
+                                  </m:ctrlPr>
+                                </m:fPr>
+                                <m:num>
+                                  <m:r>
+                                    <a:rPr lang="en-US" sz="4800" i="1" smtClean="0">
+                                      <a:latin typeface="Cambria Math" charset="0"/>
+                                    </a:rPr>
+                                    <m:t>1</m:t>
+                                  </m:r>
+                                </m:num>
+                                <m:den>
+                                  <m:r>
+                                    <a:rPr lang="en-US" sz="4800" i="1" smtClean="0">
+                                      <a:latin typeface="Cambria Math" charset="0"/>
+                                    </a:rPr>
+                                    <m:t>2</m:t>
+                                  </m:r>
+                                </m:den>
+                              </m:f>
+                            </m:e>
+                            <m:e>
+                              <m:r>
+                                <a:rPr lang="en-US" sz="4800" i="1" smtClean="0">
+                                  <a:latin typeface="Cambria Math" charset="0"/>
+                                </a:rPr>
+                                <m:t>0</m:t>
+                              </m:r>
+                            </m:e>
+                            <m:e>
+                              <m:r>
+                                <a:rPr lang="en-US" sz="4800" i="1" smtClean="0">
+                                  <a:latin typeface="Cambria Math" charset="0"/>
+                                </a:rPr>
+                                <m:t>0</m:t>
+                              </m:r>
+                            </m:e>
+                          </m:mr>
+                          <m:mr>
+                            <m:e>
+                              <m:r>
+                                <a:rPr lang="en-US" sz="4800" i="1" smtClean="0">
+                                  <a:latin typeface="Cambria Math" charset="0"/>
+                                </a:rPr>
+                                <m:t>0</m:t>
+                              </m:r>
+                            </m:e>
+                            <m:e>
+                              <m:f>
+                                <m:fPr>
+                                  <m:ctrlPr>
+                                    <a:rPr lang="en-US" sz="4800" i="1" smtClean="0">
+                                      <a:latin typeface="Cambria Math" charset="0"/>
+                                    </a:rPr>
+                                  </m:ctrlPr>
+                                </m:fPr>
+                                <m:num>
+                                  <m:r>
+                                    <a:rPr lang="en-US" sz="4800" i="1" smtClean="0">
+                                      <a:latin typeface="Cambria Math" charset="0"/>
+                                    </a:rPr>
+                                    <m:t>1</m:t>
+                                  </m:r>
+                                </m:num>
+                                <m:den>
+                                  <m:r>
+                                    <a:rPr lang="en-US" sz="4800" i="1" smtClean="0">
+                                      <a:latin typeface="Cambria Math" charset="0"/>
+                                    </a:rPr>
+                                    <m:t>3</m:t>
+                                  </m:r>
+                                </m:den>
+                              </m:f>
+                            </m:e>
+                            <m:e>
+                              <m:f>
+                                <m:fPr>
+                                  <m:ctrlPr>
+                                    <a:rPr lang="en-US" sz="4800" i="1" smtClean="0">
+                                      <a:latin typeface="Cambria Math" charset="0"/>
+                                    </a:rPr>
+                                  </m:ctrlPr>
+                                </m:fPr>
+                                <m:num>
+                                  <m:r>
+                                    <a:rPr lang="en-US" sz="4800" i="1" smtClean="0">
+                                      <a:latin typeface="Cambria Math" charset="0"/>
+                                    </a:rPr>
+                                    <m:t>1</m:t>
+                                  </m:r>
+                                </m:num>
+                                <m:den>
+                                  <m:r>
+                                    <a:rPr lang="en-US" sz="4800" i="1" smtClean="0">
+                                      <a:latin typeface="Cambria Math" charset="0"/>
+                                    </a:rPr>
+                                    <m:t>6</m:t>
+                                  </m:r>
+                                </m:den>
+                              </m:f>
+                            </m:e>
+                            <m:e>
+                              <m:f>
+                                <m:fPr>
+                                  <m:ctrlPr>
+                                    <a:rPr lang="en-US" sz="4800" i="1" smtClean="0">
+                                      <a:latin typeface="Cambria Math" charset="0"/>
+                                    </a:rPr>
+                                  </m:ctrlPr>
+                                </m:fPr>
+                                <m:num>
+                                  <m:r>
+                                    <a:rPr lang="en-US" sz="4800" i="1" smtClean="0">
+                                      <a:latin typeface="Cambria Math" charset="0"/>
+                                    </a:rPr>
+                                    <m:t>1</m:t>
+                                  </m:r>
+                                </m:num>
+                                <m:den>
+                                  <m:r>
+                                    <a:rPr lang="en-US" sz="4800" i="1" smtClean="0">
+                                      <a:latin typeface="Cambria Math" charset="0"/>
+                                    </a:rPr>
+                                    <m:t>2</m:t>
+                                  </m:r>
+                                </m:den>
+                              </m:f>
+                            </m:e>
+                            <m:e>
+                              <m:r>
+                                <a:rPr lang="en-US" sz="4800" i="1" smtClean="0">
+                                  <a:latin typeface="Cambria Math" charset="0"/>
+                                </a:rPr>
+                                <m:t>0</m:t>
+                              </m:r>
+                            </m:e>
+                          </m:mr>
+                          <m:mr>
+                            <m:e>
+                              <m:r>
+                                <a:rPr lang="en-US" sz="4800" i="1" smtClean="0">
+                                  <a:latin typeface="Cambria Math" charset="0"/>
+                                </a:rPr>
+                                <m:t>0</m:t>
+                              </m:r>
+                            </m:e>
+                            <m:e>
+                              <m:r>
+                                <a:rPr lang="en-US" sz="4800" i="1" smtClean="0">
+                                  <a:latin typeface="Cambria Math" charset="0"/>
+                                </a:rPr>
+                                <m:t>0</m:t>
+                              </m:r>
+                            </m:e>
+                            <m:e>
+                              <m:f>
+                                <m:fPr>
+                                  <m:ctrlPr>
+                                    <a:rPr lang="en-US" sz="4800" i="1" smtClean="0">
+                                      <a:latin typeface="Cambria Math" charset="0"/>
+                                    </a:rPr>
+                                  </m:ctrlPr>
+                                </m:fPr>
+                                <m:num>
+                                  <m:r>
+                                    <a:rPr lang="en-US" sz="4800" i="1" smtClean="0">
+                                      <a:latin typeface="Cambria Math" charset="0"/>
+                                    </a:rPr>
+                                    <m:t>3</m:t>
+                                  </m:r>
+                                </m:num>
+                                <m:den>
+                                  <m:r>
+                                    <a:rPr lang="en-US" sz="4800" i="1" smtClean="0">
+                                      <a:latin typeface="Cambria Math" charset="0"/>
+                                    </a:rPr>
+                                    <m:t>8</m:t>
+                                  </m:r>
+                                </m:den>
+                              </m:f>
+                            </m:e>
+                            <m:e>
+                              <m:f>
+                                <m:fPr>
+                                  <m:ctrlPr>
+                                    <a:rPr lang="en-US" sz="4800" i="1" smtClean="0">
+                                      <a:latin typeface="Cambria Math" charset="0"/>
+                                    </a:rPr>
+                                  </m:ctrlPr>
+                                </m:fPr>
+                                <m:num>
+                                  <m:r>
+                                    <a:rPr lang="en-US" sz="4800" i="1" smtClean="0">
+                                      <a:latin typeface="Cambria Math" charset="0"/>
+                                    </a:rPr>
+                                    <m:t>1</m:t>
+                                  </m:r>
+                                </m:num>
+                                <m:den>
+                                  <m:r>
+                                    <a:rPr lang="en-US" sz="4800" i="1" smtClean="0">
+                                      <a:latin typeface="Cambria Math" charset="0"/>
+                                    </a:rPr>
+                                    <m:t>8</m:t>
+                                  </m:r>
+                                </m:den>
+                              </m:f>
+                            </m:e>
+                            <m:e>
+                              <m:f>
+                                <m:fPr>
+                                  <m:ctrlPr>
+                                    <a:rPr lang="en-US" sz="4800" i="1" smtClean="0">
+                                      <a:latin typeface="Cambria Math" charset="0"/>
+                                    </a:rPr>
+                                  </m:ctrlPr>
+                                </m:fPr>
+                                <m:num>
+                                  <m:r>
+                                    <a:rPr lang="en-US" sz="4800" i="1" smtClean="0">
+                                      <a:latin typeface="Cambria Math" charset="0"/>
+                                    </a:rPr>
+                                    <m:t>1</m:t>
+                                  </m:r>
+                                </m:num>
+                                <m:den>
+                                  <m:r>
+                                    <a:rPr lang="en-US" sz="4800" i="1" smtClean="0">
+                                      <a:latin typeface="Cambria Math" charset="0"/>
+                                    </a:rPr>
+                                    <m:t>2</m:t>
+                                  </m:r>
+                                </m:den>
+                              </m:f>
+                            </m:e>
+                          </m:mr>
+                          <m:mr>
+                            <m:e>
+                              <m:r>
+                                <a:rPr lang="en-US" sz="4800" i="1" smtClean="0">
+                                  <a:latin typeface="Cambria Math" charset="0"/>
+                                </a:rPr>
+                                <m:t>0</m:t>
+                              </m:r>
+                            </m:e>
+                            <m:e>
+                              <m:r>
+                                <a:rPr lang="en-US" sz="4800" i="1" smtClean="0">
+                                  <a:latin typeface="Cambria Math" charset="0"/>
+                                </a:rPr>
+                                <m:t>0</m:t>
+                              </m:r>
+                            </m:e>
+                            <m:e>
+                              <m:r>
+                                <a:rPr lang="en-US" sz="4800" i="1" smtClean="0">
+                                  <a:latin typeface="Cambria Math" charset="0"/>
+                                </a:rPr>
+                                <m:t>0</m:t>
+                              </m:r>
+                            </m:e>
+                            <m:e>
+                              <m:f>
+                                <m:fPr>
+                                  <m:ctrlPr>
+                                    <a:rPr lang="en-US" sz="4800" i="1" smtClean="0">
+                                      <a:latin typeface="Cambria Math" charset="0"/>
+                                    </a:rPr>
+                                  </m:ctrlPr>
+                                </m:fPr>
+                                <m:num>
+                                  <m:r>
+                                    <a:rPr lang="en-US" sz="4800" i="1" smtClean="0">
+                                      <a:latin typeface="Cambria Math" charset="0"/>
+                                    </a:rPr>
+                                    <m:t>2</m:t>
+                                  </m:r>
+                                </m:num>
+                                <m:den>
+                                  <m:r>
+                                    <a:rPr lang="en-US" sz="4800" i="1" smtClean="0">
+                                      <a:latin typeface="Cambria Math" charset="0"/>
+                                    </a:rPr>
+                                    <m:t>5</m:t>
+                                  </m:r>
+                                </m:den>
+                              </m:f>
+                            </m:e>
+                            <m:e>
+                              <m:f>
+                                <m:fPr>
+                                  <m:ctrlPr>
+                                    <a:rPr lang="en-US" sz="4800" i="1" smtClean="0">
+                                      <a:latin typeface="Cambria Math" charset="0"/>
+                                    </a:rPr>
+                                  </m:ctrlPr>
+                                </m:fPr>
+                                <m:num>
+                                  <m:r>
+                                    <a:rPr lang="en-US" sz="4800" i="1" smtClean="0">
+                                      <a:latin typeface="Cambria Math" charset="0"/>
+                                    </a:rPr>
+                                    <m:t>3</m:t>
+                                  </m:r>
+                                </m:num>
+                                <m:den>
+                                  <m:r>
+                                    <a:rPr lang="en-US" sz="4800" i="1" smtClean="0">
+                                      <a:latin typeface="Cambria Math" charset="0"/>
+                                    </a:rPr>
+                                    <m:t>5</m:t>
+                                  </m:r>
+                                </m:den>
+                              </m:f>
+                            </m:e>
+                          </m:mr>
+                        </m:m>
+                      </m:e>
+                    </m:d>
+                  </m:oMath>
+                </a14:m>
+                <a:endParaRPr lang="en-US" sz="4800" dirty="0"/>
+              </a:p>
+            </p:txBody>
+          </p:sp>
+        </mc:Choice>
+        <mc:Fallback>
+          <p:sp>
+            <p:nvSpPr>
+              <p:cNvPr id="4" name="Content Placeholder 2"/>
+              <p:cNvSpPr txBox="1">
+                <a:spLocks noRot="1" noChangeAspect="1" noMove="1" noResize="1" noEditPoints="1" noAdjustHandles="1" noChangeArrowheads="1" noChangeShapeType="1" noTextEdit="1"/>
+              </p:cNvSpPr>
+              <p:nvPr/>
+            </p:nvSpPr>
+            <p:spPr>
+              <a:xfrm>
+                <a:off x="6783244" y="2286000"/>
+                <a:ext cx="4534461" cy="4023360"/>
+              </a:xfrm>
+              <a:prstGeom prst="rect">
+                <a:avLst/>
+              </a:prstGeom>
+              <a:blipFill rotWithShape="0">
+                <a:blip r:embed="rId3"/>
+                <a:stretch>
+                  <a:fillRect t="-5152" b="-606"/>
+                </a:stretch>
+              </a:blipFill>
+            </p:spPr>
+            <p:txBody>
+              <a:bodyPr/>
+              <a:lstStyle/>
+              <a:p>
+                <a:r>
+                  <a:rPr lang="en-US">
+                    <a:noFill/>
+                  </a:rPr>
+                  <a:t> </a:t>
+                </a:r>
+              </a:p>
+            </p:txBody>
+          </p:sp>
+        </mc:Fallback>
+      </mc:AlternateContent>
+    </p:spTree>
+    <p:extLst>
+      <p:ext uri="{BB962C8B-B14F-4D97-AF65-F5344CB8AC3E}">
+        <p14:creationId xmlns:p14="http://schemas.microsoft.com/office/powerpoint/2010/main" val="784063577"/>
+      </p:ext>
+    </p:extLst>
+  </p:cSld>
+  <p:clrMapOvr>
+    <a:masterClrMapping/>
+  </p:clrMapOvr>
 </p:sld>
 </file>
 
@@ -4107,7 +5526,9 @@
         </p:nvSpPr>
         <p:spPr/>
         <p:txBody>
-          <a:bodyPr/>
+          <a:bodyPr>
+            <a:normAutofit/>
+          </a:bodyPr>
           <a:lstStyle/>
           <a:p>
             <a:pPr>
@@ -4115,18 +5536,12 @@
               <a:buChar char="o"/>
             </a:pPr>
             <a:r>
-              <a:rPr lang="en-US" dirty="0" smtClean="0"/>
-              <a:t> Complex distributions over high-dimensional spaces</a:t>
-            </a:r>
-          </a:p>
-          <a:p>
-            <a:pPr lvl="2">
-              <a:buFont typeface="Arial" panose="020B0604020202020204" pitchFamily="34" charset="0"/>
-              <a:buChar char="•"/>
-            </a:pPr>
-            <a:r>
-              <a:rPr lang="en-US" dirty="0" smtClean="0"/>
-              <a:t>Bayesian</a:t>
+              <a:rPr lang="en-US" sz="2800" dirty="0" smtClean="0"/>
+              <a:t> Complex distributions over high-dimensional </a:t>
+            </a:r>
+            <a:r>
+              <a:rPr lang="en-US" sz="2800" dirty="0" smtClean="0"/>
+              <a:t>spaces</a:t>
             </a:r>
           </a:p>
           <a:p>
@@ -4135,34 +5550,68 @@
               <a:buChar char="o"/>
             </a:pPr>
             <a:r>
-              <a:rPr lang="en-US" dirty="0" smtClean="0"/>
-              <a:t> No way to characterize distributions analytically</a:t>
+              <a:rPr lang="en-US" sz="2800" dirty="0"/>
+              <a:t> </a:t>
+            </a:r>
+            <a:r>
+              <a:rPr lang="en-US" sz="2800" dirty="0" smtClean="0"/>
+              <a:t>No way to characterize distributions analytically</a:t>
+            </a:r>
+          </a:p>
+          <a:p>
+            <a:pPr>
+              <a:buFont typeface="Courier New" panose="02070309020205020404" pitchFamily="49" charset="0"/>
+              <a:buChar char="o"/>
+            </a:pPr>
+            <a:endParaRPr lang="en-US" sz="2800" dirty="0"/>
+          </a:p>
+          <a:p>
+            <a:pPr>
+              <a:buFont typeface="Courier New" panose="02070309020205020404" pitchFamily="49" charset="0"/>
+              <a:buChar char="o"/>
+            </a:pPr>
+            <a:r>
+              <a:rPr lang="en-US" sz="2800" dirty="0" smtClean="0"/>
+              <a:t> Examples: </a:t>
             </a:r>
           </a:p>
           <a:p>
             <a:pPr lvl="2">
-              <a:buFont typeface="Arial" panose="020B0604020202020204" pitchFamily="34" charset="0"/>
-              <a:buChar char="•"/>
+              <a:buFont typeface="Wingdings" charset="2"/>
+              <a:buChar char="Ø"/>
             </a:pPr>
             <a:r>
-              <a:rPr lang="en-US" dirty="0"/>
+              <a:rPr lang="en-US" sz="2800" dirty="0" smtClean="0"/>
+              <a:t> Bayesian statistics</a:t>
+            </a:r>
+          </a:p>
+          <a:p>
+            <a:pPr lvl="2">
+              <a:buFont typeface="Wingdings" charset="2"/>
+              <a:buChar char="Ø"/>
+            </a:pPr>
+            <a:r>
+              <a:rPr lang="en-US" sz="2800" dirty="0"/>
               <a:t> </a:t>
             </a:r>
             <a:r>
-              <a:rPr lang="en-US" dirty="0" smtClean="0"/>
-              <a:t>Bayesian Statistics</a:t>
+              <a:rPr lang="en-US" sz="2800" dirty="0" smtClean="0"/>
+              <a:t>Simulated annealing</a:t>
             </a:r>
           </a:p>
           <a:p>
             <a:pPr lvl="2">
-              <a:buFont typeface="Arial" panose="020B0604020202020204" pitchFamily="34" charset="0"/>
-              <a:buChar char="•"/>
+              <a:buFont typeface="Wingdings" charset="2"/>
+              <a:buChar char="Ø"/>
             </a:pPr>
             <a:r>
-              <a:rPr lang="en-US" dirty="0" smtClean="0"/>
+              <a:rPr lang="en-US" sz="2800" dirty="0"/>
               <a:t> </a:t>
             </a:r>
-            <a:endParaRPr lang="en-US" dirty="0"/>
+            <a:r>
+              <a:rPr lang="en-US" sz="2800" dirty="0" smtClean="0"/>
+              <a:t>MLE for BN</a:t>
+            </a:r>
           </a:p>
         </p:txBody>
       </p:sp>
@@ -4176,6 +5625,13 @@
   <p:clrMapOvr>
     <a:masterClrMapping/>
   </p:clrMapOvr>
+  <p:timing>
+    <p:tnLst>
+      <p:par>
+        <p:cTn id="1" dur="indefinite" restart="never" nodeType="tmRoot"/>
+      </p:par>
+    </p:tnLst>
+  </p:timing>
 </p:sld>
 </file>
 
@@ -4231,14 +5687,16 @@
         </p:nvSpPr>
         <p:spPr/>
         <p:txBody>
-          <a:bodyPr/>
+          <a:bodyPr>
+            <a:normAutofit/>
+          </a:bodyPr>
           <a:lstStyle/>
           <a:p>
             <a:r>
-              <a:rPr lang="en-US" dirty="0" smtClean="0"/>
+              <a:rPr lang="en-US" sz="2800" dirty="0" smtClean="0"/>
               <a:t>The Set-Up</a:t>
             </a:r>
-            <a:endParaRPr lang="en-US" dirty="0"/>
+            <a:endParaRPr lang="en-US" sz="2800" dirty="0"/>
           </a:p>
         </p:txBody>
       </p:sp>
@@ -4283,8 +5741,41 @@
             </a:pPr>
             <a:r>
               <a:rPr lang="en-US" dirty="0" smtClean="0"/>
-              <a:t> Doesn’t know the states populations, but once on an island he can find out.</a:t>
-            </a:r>
+              <a:t> Doesn’t know the states populations, but once on an island he can find out</a:t>
+            </a:r>
+            <a:r>
+              <a:rPr lang="en-US" dirty="0" smtClean="0"/>
+              <a:t>.</a:t>
+            </a:r>
+          </a:p>
+          <a:p>
+            <a:pPr>
+              <a:buFont typeface="Arial" panose="020B0604020202020204" pitchFamily="34" charset="0"/>
+              <a:buChar char="•"/>
+            </a:pPr>
+            <a:r>
+              <a:rPr lang="en-US" dirty="0"/>
+              <a:t> </a:t>
+            </a:r>
+            <a:r>
+              <a:rPr lang="en-US" dirty="0" smtClean="0"/>
+              <a:t>Can also find out neighboring islands.</a:t>
+            </a:r>
+          </a:p>
+          <a:p>
+            <a:pPr>
+              <a:buFont typeface="Arial" panose="020B0604020202020204" pitchFamily="34" charset="0"/>
+              <a:buChar char="•"/>
+            </a:pPr>
+            <a:r>
+              <a:rPr lang="en-US" dirty="0"/>
+              <a:t> </a:t>
+            </a:r>
+            <a:r>
+              <a:rPr lang="en-US" dirty="0" smtClean="0"/>
+              <a:t>Can’t remember once he’s left.</a:t>
+            </a:r>
+            <a:endParaRPr lang="en-US" dirty="0" smtClean="0"/>
           </a:p>
           <a:p>
             <a:pPr>
@@ -4310,14 +5801,16 @@
         </p:nvSpPr>
         <p:spPr/>
         <p:txBody>
-          <a:bodyPr/>
+          <a:bodyPr>
+            <a:normAutofit/>
+          </a:bodyPr>
           <a:lstStyle/>
           <a:p>
             <a:r>
-              <a:rPr lang="en-US" dirty="0" smtClean="0"/>
+              <a:rPr lang="en-US" sz="2800" dirty="0" smtClean="0"/>
               <a:t>The Rules</a:t>
             </a:r>
-            <a:endParaRPr lang="en-US" dirty="0"/>
+            <a:endParaRPr lang="en-US" sz="2800" dirty="0"/>
           </a:p>
         </p:txBody>
       </p:sp>
@@ -4384,9 +5877,51 @@
               <a:rPr lang="en-US" dirty="0" smtClean="0">
                 <a:sym typeface="Wingdings" panose="05000000000000000000" pitchFamily="2" charset="2"/>
               </a:rPr>
-              <a:t>If not, spin a spinner </a:t>
-            </a:r>
-            <a:endParaRPr lang="en-US" dirty="0"/>
+              <a:t>If not, </a:t>
+            </a:r>
+            <a:r>
+              <a:rPr lang="en-US" dirty="0" smtClean="0">
+                <a:sym typeface="Wingdings" panose="05000000000000000000" pitchFamily="2" charset="2"/>
+              </a:rPr>
+              <a:t>spin </a:t>
+            </a:r>
+            <a:r>
+              <a:rPr lang="en-US" dirty="0" smtClean="0">
+                <a:sym typeface="Wingdings" panose="05000000000000000000" pitchFamily="2" charset="2"/>
+              </a:rPr>
+              <a:t>a spinner </a:t>
+            </a:r>
+            <a:r>
+              <a:rPr lang="en-US" dirty="0" smtClean="0">
+                <a:sym typeface="Wingdings" panose="05000000000000000000" pitchFamily="2" charset="2"/>
+              </a:rPr>
+              <a:t>between 0 and 1:</a:t>
+            </a:r>
+          </a:p>
+          <a:p>
+            <a:pPr lvl="2">
+              <a:buFont typeface="Arial" panose="020B0604020202020204" pitchFamily="34" charset="0"/>
+              <a:buChar char="•"/>
+            </a:pPr>
+            <a:r>
+              <a:rPr lang="en-US" sz="2200" dirty="0" smtClean="0"/>
+              <a:t> If number on spinner is less than ratio of proposed state pop. over current state pop., go to proposed state.</a:t>
+            </a:r>
+          </a:p>
+          <a:p>
+            <a:pPr lvl="2">
+              <a:buFont typeface="Arial" panose="020B0604020202020204" pitchFamily="34" charset="0"/>
+              <a:buChar char="•"/>
+            </a:pPr>
+            <a:r>
+              <a:rPr lang="en-US" sz="2200" dirty="0"/>
+              <a:t> </a:t>
+            </a:r>
+            <a:r>
+              <a:rPr lang="en-US" sz="2200" dirty="0" smtClean="0"/>
+              <a:t>Else, stay on current state.</a:t>
+            </a:r>
+            <a:endParaRPr lang="en-US" sz="2200" dirty="0"/>
           </a:p>
         </p:txBody>
       </p:sp>
@@ -4400,6 +5935,13 @@
   <p:clrMapOvr>
     <a:masterClrMapping/>
   </p:clrMapOvr>
+  <p:timing>
+    <p:tnLst>
+      <p:par>
+        <p:cTn id="1" dur="indefinite" restart="never" nodeType="tmRoot"/>
+      </p:par>
+    </p:tnLst>
+  </p:timing>
 </p:sld>
 </file>
 
@@ -4427,6 +5969,1050 @@
             <a:spLocks noGrp="1"/>
           </p:cNvSpPr>
           <p:nvPr>
+            <p:ph type="title"/>
+          </p:nvPr>
+        </p:nvSpPr>
+        <p:spPr>
+          <a:xfrm>
+            <a:off x="1024128" y="585216"/>
+            <a:ext cx="9720072" cy="1390541"/>
+          </a:xfrm>
+        </p:spPr>
+        <p:txBody>
+          <a:bodyPr/>
+          <a:lstStyle/>
+          <a:p>
+            <a:pPr algn="ctr"/>
+            <a:r>
+              <a:rPr lang="en-US" dirty="0" smtClean="0"/>
+              <a:t>States’ population (in millions)</a:t>
+            </a:r>
+            <a:endParaRPr lang="en-US" dirty="0"/>
+          </a:p>
+        </p:txBody>
+      </p:sp>
+      <p:pic>
+        <p:nvPicPr>
+          <p:cNvPr id="4" name="Content Placeholder 3"/>
+          <p:cNvPicPr>
+            <a:picLocks noGrp="1" noChangeAspect="1"/>
+          </p:cNvPicPr>
+          <p:nvPr>
+            <p:ph idx="1"/>
+          </p:nvPr>
+        </p:nvPicPr>
+        <p:blipFill>
+          <a:blip r:embed="rId2"/>
+          <a:stretch>
+            <a:fillRect/>
+          </a:stretch>
+        </p:blipFill>
+        <p:spPr>
+          <a:xfrm>
+            <a:off x="2679607" y="1861455"/>
+            <a:ext cx="6373842" cy="4484186"/>
+          </a:xfrm>
+          <a:prstGeom prst="rect">
+            <a:avLst/>
+          </a:prstGeom>
+          <a:ln w="50800" cap="rnd">
+            <a:solidFill>
+              <a:schemeClr val="tx1">
+                <a:lumMod val="75000"/>
+              </a:schemeClr>
+            </a:solidFill>
+            <a:bevel/>
+          </a:ln>
+        </p:spPr>
+      </p:pic>
+    </p:spTree>
+    <p:extLst>
+      <p:ext uri="{BB962C8B-B14F-4D97-AF65-F5344CB8AC3E}">
+        <p14:creationId xmlns:p14="http://schemas.microsoft.com/office/powerpoint/2010/main" val="1241098315"/>
+      </p:ext>
+    </p:extLst>
+  </p:cSld>
+  <p:clrMapOvr>
+    <a:masterClrMapping/>
+  </p:clrMapOvr>
+  <p:timing>
+    <p:tnLst>
+      <p:par>
+        <p:cTn id="1" dur="indefinite" restart="never" nodeType="tmRoot"/>
+      </p:par>
+    </p:tnLst>
+  </p:timing>
+</p:sld>
+</file>
+
+<file path=ppt/slides/slide5.xml><?xml version="1.0" encoding="utf-8"?>
+<p:sld xmlns:a="http://schemas.openxmlformats.org/drawingml/2006/main" xmlns:r="http://schemas.openxmlformats.org/officeDocument/2006/relationships" xmlns:p="http://schemas.openxmlformats.org/presentationml/2006/main">
+  <p:cSld>
+    <p:spTree>
+      <p:nvGrpSpPr>
+        <p:cNvPr id="1" name=""/>
+        <p:cNvGrpSpPr/>
+        <p:nvPr/>
+      </p:nvGrpSpPr>
+      <p:grpSpPr>
+        <a:xfrm>
+          <a:off x="0" y="0"/>
+          <a:ext cx="0" cy="0"/>
+          <a:chOff x="0" y="0"/>
+          <a:chExt cx="0" cy="0"/>
+        </a:xfrm>
+      </p:grpSpPr>
+      <p:sp>
+        <p:nvSpPr>
+          <p:cNvPr id="2" name="Title 1"/>
+          <p:cNvSpPr>
+            <a:spLocks noGrp="1"/>
+          </p:cNvSpPr>
+          <p:nvPr>
+            <p:ph type="title"/>
+          </p:nvPr>
+        </p:nvSpPr>
+        <p:spPr/>
+        <p:txBody>
+          <a:bodyPr/>
+          <a:lstStyle/>
+          <a:p>
+            <a:r>
+              <a:rPr lang="en-US" dirty="0"/>
+              <a:t>Example: starting at state 3</a:t>
+            </a:r>
+          </a:p>
+        </p:txBody>
+      </p:sp>
+      <p:sp>
+        <p:nvSpPr>
+          <p:cNvPr id="3" name="Text Placeholder 2"/>
+          <p:cNvSpPr>
+            <a:spLocks noGrp="1"/>
+          </p:cNvSpPr>
+          <p:nvPr>
+            <p:ph type="body" idx="1"/>
+          </p:nvPr>
+        </p:nvSpPr>
+        <p:spPr>
+          <a:xfrm>
+            <a:off x="1022444" y="4487608"/>
+            <a:ext cx="4754880" cy="822960"/>
+          </a:xfrm>
+        </p:spPr>
+        <p:txBody>
+          <a:bodyPr/>
+          <a:lstStyle/>
+          <a:p>
+            <a:r>
+              <a:rPr lang="en-US" dirty="0" smtClean="0"/>
+              <a:t>Coin flip heads: </a:t>
+            </a:r>
+          </a:p>
+          <a:p>
+            <a:r>
+              <a:rPr lang="en-US" dirty="0" smtClean="0"/>
+              <a:t>Propose to move right</a:t>
+            </a:r>
+            <a:endParaRPr lang="en-US" dirty="0"/>
+          </a:p>
+        </p:txBody>
+      </p:sp>
+      <p:sp>
+        <p:nvSpPr>
+          <p:cNvPr id="4" name="Content Placeholder 3"/>
+          <p:cNvSpPr>
+            <a:spLocks noGrp="1"/>
+          </p:cNvSpPr>
+          <p:nvPr>
+            <p:ph sz="half" idx="2"/>
+          </p:nvPr>
+        </p:nvSpPr>
+        <p:spPr>
+          <a:xfrm>
+            <a:off x="1022444" y="5334856"/>
+            <a:ext cx="4754880" cy="783654"/>
+          </a:xfrm>
+        </p:spPr>
+        <p:txBody>
+          <a:bodyPr/>
+          <a:lstStyle/>
+          <a:p>
+            <a:r>
+              <a:rPr lang="en-US" dirty="0" smtClean="0"/>
+              <a:t>Since state 4 has a larger population, move to the right.</a:t>
+            </a:r>
+            <a:endParaRPr lang="en-US" dirty="0"/>
+          </a:p>
+        </p:txBody>
+      </p:sp>
+      <p:sp>
+        <p:nvSpPr>
+          <p:cNvPr id="5" name="Text Placeholder 4"/>
+          <p:cNvSpPr>
+            <a:spLocks noGrp="1"/>
+          </p:cNvSpPr>
+          <p:nvPr>
+            <p:ph type="body" sz="quarter" idx="3"/>
+          </p:nvPr>
+        </p:nvSpPr>
+        <p:spPr>
+          <a:xfrm>
+            <a:off x="1022444" y="2108097"/>
+            <a:ext cx="4754880" cy="822960"/>
+          </a:xfrm>
+        </p:spPr>
+        <p:txBody>
+          <a:bodyPr/>
+          <a:lstStyle/>
+          <a:p>
+            <a:r>
+              <a:rPr lang="en-US" dirty="0"/>
+              <a:t>Coin flip </a:t>
+            </a:r>
+            <a:r>
+              <a:rPr lang="en-US" dirty="0" smtClean="0"/>
+              <a:t>tails: </a:t>
+            </a:r>
+            <a:endParaRPr lang="en-US" dirty="0"/>
+          </a:p>
+          <a:p>
+            <a:r>
+              <a:rPr lang="en-US" dirty="0"/>
+              <a:t>Propose to move </a:t>
+            </a:r>
+            <a:r>
+              <a:rPr lang="en-US" dirty="0" smtClean="0"/>
+              <a:t>left</a:t>
+            </a:r>
+            <a:endParaRPr lang="en-US" dirty="0"/>
+          </a:p>
+          <a:p>
+            <a:endParaRPr lang="en-US" dirty="0"/>
+          </a:p>
+        </p:txBody>
+      </p:sp>
+      <p:sp>
+        <p:nvSpPr>
+          <p:cNvPr id="6" name="Content Placeholder 5"/>
+          <p:cNvSpPr>
+            <a:spLocks noGrp="1"/>
+          </p:cNvSpPr>
+          <p:nvPr>
+            <p:ph sz="quarter" idx="4"/>
+          </p:nvPr>
+        </p:nvSpPr>
+        <p:spPr>
+          <a:xfrm>
+            <a:off x="1022444" y="2765019"/>
+            <a:ext cx="4754880" cy="930439"/>
+          </a:xfrm>
+        </p:spPr>
+        <p:txBody>
+          <a:bodyPr/>
+          <a:lstStyle/>
+          <a:p>
+            <a:r>
+              <a:rPr lang="en-US" dirty="0" smtClean="0"/>
+              <a:t>Since state 2 has a smaller population than state 3, spin spinner.  </a:t>
+            </a:r>
+          </a:p>
+          <a:p>
+            <a:endParaRPr lang="en-US" dirty="0"/>
+          </a:p>
+        </p:txBody>
+      </p:sp>
+      <p:pic>
+        <p:nvPicPr>
+          <p:cNvPr id="7" name="Content Placeholder 3"/>
+          <p:cNvPicPr>
+            <a:picLocks noChangeAspect="1"/>
+          </p:cNvPicPr>
+          <p:nvPr/>
+        </p:nvPicPr>
+        <p:blipFill>
+          <a:blip r:embed="rId2"/>
+          <a:stretch>
+            <a:fillRect/>
+          </a:stretch>
+        </p:blipFill>
+        <p:spPr>
+          <a:xfrm>
+            <a:off x="6234898" y="2251825"/>
+            <a:ext cx="4868287" cy="3424984"/>
+          </a:xfrm>
+          <a:prstGeom prst="rect">
+            <a:avLst/>
+          </a:prstGeom>
+          <a:ln w="50800" cap="rnd">
+            <a:solidFill>
+              <a:schemeClr val="tx1">
+                <a:lumMod val="75000"/>
+              </a:schemeClr>
+            </a:solidFill>
+            <a:bevel/>
+          </a:ln>
+        </p:spPr>
+      </p:pic>
+      <p:sp>
+        <p:nvSpPr>
+          <p:cNvPr id="10" name="Text Placeholder 2"/>
+          <p:cNvSpPr txBox="1">
+            <a:spLocks/>
+          </p:cNvSpPr>
+          <p:nvPr/>
+        </p:nvSpPr>
+        <p:spPr>
+          <a:xfrm>
+            <a:off x="1022444" y="3555928"/>
+            <a:ext cx="4754880" cy="462408"/>
+          </a:xfrm>
+          <a:prstGeom prst="rect">
+            <a:avLst/>
+          </a:prstGeom>
+        </p:spPr>
+        <p:txBody>
+          <a:bodyPr vert="horz" lIns="137160" tIns="45720" rIns="137160" bIns="45720" rtlCol="0" anchor="ctr">
+            <a:normAutofit/>
+          </a:bodyPr>
+          <a:lstStyle>
+            <a:lvl1pPr marL="0" indent="0" algn="l" defTabSz="914400" rtl="0" eaLnBrk="1" latinLnBrk="0" hangingPunct="1">
+              <a:lnSpc>
+                <a:spcPct val="90000"/>
+              </a:lnSpc>
+              <a:spcBef>
+                <a:spcPts val="0"/>
+              </a:spcBef>
+              <a:spcAft>
+                <a:spcPts val="0"/>
+              </a:spcAft>
+              <a:buClr>
+                <a:schemeClr val="accent2"/>
+              </a:buClr>
+              <a:buSzPct val="100000"/>
+              <a:buFont typeface="Tw Cen MT" panose="020B0602020104020603" pitchFamily="34" charset="0"/>
+              <a:buNone/>
+              <a:defRPr sz="2300" b="0" kern="1200" cap="none" baseline="0">
+                <a:solidFill>
+                  <a:schemeClr val="accent2">
+                    <a:lumMod val="75000"/>
+                  </a:schemeClr>
+                </a:solidFill>
+                <a:latin typeface="+mn-lt"/>
+                <a:ea typeface="+mn-ea"/>
+                <a:cs typeface="+mn-cs"/>
+              </a:defRPr>
+            </a:lvl1pPr>
+            <a:lvl2pPr marL="457200" indent="0" algn="l" defTabSz="914400" rtl="0" eaLnBrk="1" latinLnBrk="0" hangingPunct="1">
+              <a:lnSpc>
+                <a:spcPct val="90000"/>
+              </a:lnSpc>
+              <a:spcBef>
+                <a:spcPts val="200"/>
+              </a:spcBef>
+              <a:spcAft>
+                <a:spcPts val="400"/>
+              </a:spcAft>
+              <a:buClr>
+                <a:schemeClr val="accent2"/>
+              </a:buClr>
+              <a:buFont typeface="Wingdings 3" pitchFamily="18" charset="2"/>
+              <a:buNone/>
+              <a:defRPr sz="2000" b="1" kern="1200">
+                <a:solidFill>
+                  <a:schemeClr val="tx1"/>
+                </a:solidFill>
+                <a:latin typeface="+mn-lt"/>
+                <a:ea typeface="+mn-ea"/>
+                <a:cs typeface="+mn-cs"/>
+              </a:defRPr>
+            </a:lvl2pPr>
+            <a:lvl3pPr marL="914400" indent="0" algn="l" defTabSz="914400" rtl="0" eaLnBrk="1" latinLnBrk="0" hangingPunct="1">
+              <a:lnSpc>
+                <a:spcPct val="90000"/>
+              </a:lnSpc>
+              <a:spcBef>
+                <a:spcPts val="200"/>
+              </a:spcBef>
+              <a:spcAft>
+                <a:spcPts val="400"/>
+              </a:spcAft>
+              <a:buClr>
+                <a:schemeClr val="accent2"/>
+              </a:buClr>
+              <a:buFont typeface="Wingdings 3" pitchFamily="18" charset="2"/>
+              <a:buNone/>
+              <a:defRPr sz="1800" b="1" kern="1200">
+                <a:solidFill>
+                  <a:schemeClr val="tx1"/>
+                </a:solidFill>
+                <a:latin typeface="+mn-lt"/>
+                <a:ea typeface="+mn-ea"/>
+                <a:cs typeface="+mn-cs"/>
+              </a:defRPr>
+            </a:lvl3pPr>
+            <a:lvl4pPr marL="1371600" indent="0" algn="l" defTabSz="914400" rtl="0" eaLnBrk="1" latinLnBrk="0" hangingPunct="1">
+              <a:lnSpc>
+                <a:spcPct val="90000"/>
+              </a:lnSpc>
+              <a:spcBef>
+                <a:spcPts val="200"/>
+              </a:spcBef>
+              <a:spcAft>
+                <a:spcPts val="400"/>
+              </a:spcAft>
+              <a:buClr>
+                <a:schemeClr val="accent2"/>
+              </a:buClr>
+              <a:buFont typeface="Wingdings 3" pitchFamily="18" charset="2"/>
+              <a:buNone/>
+              <a:defRPr sz="1600" b="1" kern="1200">
+                <a:solidFill>
+                  <a:schemeClr val="tx1"/>
+                </a:solidFill>
+                <a:latin typeface="+mn-lt"/>
+                <a:ea typeface="+mn-ea"/>
+                <a:cs typeface="+mn-cs"/>
+              </a:defRPr>
+            </a:lvl4pPr>
+            <a:lvl5pPr marL="1828800" indent="0" algn="l" defTabSz="914400" rtl="0" eaLnBrk="1" latinLnBrk="0" hangingPunct="1">
+              <a:lnSpc>
+                <a:spcPct val="90000"/>
+              </a:lnSpc>
+              <a:spcBef>
+                <a:spcPts val="200"/>
+              </a:spcBef>
+              <a:spcAft>
+                <a:spcPts val="400"/>
+              </a:spcAft>
+              <a:buClr>
+                <a:schemeClr val="accent2"/>
+              </a:buClr>
+              <a:buFont typeface="Wingdings 3" pitchFamily="18" charset="2"/>
+              <a:buNone/>
+              <a:defRPr sz="1600" b="1" kern="1200">
+                <a:solidFill>
+                  <a:schemeClr val="tx1"/>
+                </a:solidFill>
+                <a:latin typeface="+mn-lt"/>
+                <a:ea typeface="+mn-ea"/>
+                <a:cs typeface="+mn-cs"/>
+              </a:defRPr>
+            </a:lvl5pPr>
+            <a:lvl6pPr marL="2286000" indent="0" algn="l" defTabSz="914400" rtl="0" eaLnBrk="1" latinLnBrk="0" hangingPunct="1">
+              <a:lnSpc>
+                <a:spcPct val="90000"/>
+              </a:lnSpc>
+              <a:spcBef>
+                <a:spcPts val="200"/>
+              </a:spcBef>
+              <a:spcAft>
+                <a:spcPts val="400"/>
+              </a:spcAft>
+              <a:buClr>
+                <a:schemeClr val="accent2"/>
+              </a:buClr>
+              <a:buFont typeface="Wingdings 3" pitchFamily="18" charset="2"/>
+              <a:buNone/>
+              <a:defRPr sz="1600" b="1" kern="1200">
+                <a:solidFill>
+                  <a:schemeClr val="tx1"/>
+                </a:solidFill>
+                <a:latin typeface="+mn-lt"/>
+                <a:ea typeface="+mn-ea"/>
+                <a:cs typeface="+mn-cs"/>
+              </a:defRPr>
+            </a:lvl6pPr>
+            <a:lvl7pPr marL="2743200" indent="0" algn="l" defTabSz="914400" rtl="0" eaLnBrk="1" latinLnBrk="0" hangingPunct="1">
+              <a:lnSpc>
+                <a:spcPct val="90000"/>
+              </a:lnSpc>
+              <a:spcBef>
+                <a:spcPts val="200"/>
+              </a:spcBef>
+              <a:spcAft>
+                <a:spcPts val="400"/>
+              </a:spcAft>
+              <a:buClr>
+                <a:schemeClr val="accent2"/>
+              </a:buClr>
+              <a:buFont typeface="Wingdings 3" pitchFamily="18" charset="2"/>
+              <a:buNone/>
+              <a:defRPr sz="1600" b="1" kern="1200">
+                <a:solidFill>
+                  <a:schemeClr val="tx1"/>
+                </a:solidFill>
+                <a:latin typeface="+mn-lt"/>
+                <a:ea typeface="+mn-ea"/>
+                <a:cs typeface="+mn-cs"/>
+              </a:defRPr>
+            </a:lvl7pPr>
+            <a:lvl8pPr marL="3200400" indent="0" algn="l" defTabSz="914400" rtl="0" eaLnBrk="1" latinLnBrk="0" hangingPunct="1">
+              <a:lnSpc>
+                <a:spcPct val="90000"/>
+              </a:lnSpc>
+              <a:spcBef>
+                <a:spcPts val="200"/>
+              </a:spcBef>
+              <a:spcAft>
+                <a:spcPts val="400"/>
+              </a:spcAft>
+              <a:buClr>
+                <a:schemeClr val="accent2"/>
+              </a:buClr>
+              <a:buFont typeface="Wingdings 3" pitchFamily="18" charset="2"/>
+              <a:buNone/>
+              <a:defRPr sz="1600" b="1" kern="1200">
+                <a:solidFill>
+                  <a:schemeClr val="tx1"/>
+                </a:solidFill>
+                <a:latin typeface="+mn-lt"/>
+                <a:ea typeface="+mn-ea"/>
+                <a:cs typeface="+mn-cs"/>
+              </a:defRPr>
+            </a:lvl8pPr>
+            <a:lvl9pPr marL="3657600" indent="0" algn="l" defTabSz="914400" rtl="0" eaLnBrk="1" latinLnBrk="0" hangingPunct="1">
+              <a:lnSpc>
+                <a:spcPct val="90000"/>
+              </a:lnSpc>
+              <a:spcBef>
+                <a:spcPts val="200"/>
+              </a:spcBef>
+              <a:spcAft>
+                <a:spcPts val="400"/>
+              </a:spcAft>
+              <a:buClr>
+                <a:schemeClr val="accent2"/>
+              </a:buClr>
+              <a:buFont typeface="Wingdings 3" pitchFamily="18" charset="2"/>
+              <a:buNone/>
+              <a:defRPr sz="1600" b="1" kern="1200">
+                <a:solidFill>
+                  <a:schemeClr val="tx1"/>
+                </a:solidFill>
+                <a:latin typeface="+mn-lt"/>
+                <a:ea typeface="+mn-ea"/>
+                <a:cs typeface="+mn-cs"/>
+              </a:defRPr>
+            </a:lvl9pPr>
+          </a:lstStyle>
+          <a:p>
+            <a:r>
+              <a:rPr lang="en-US" dirty="0" smtClean="0"/>
+              <a:t>Spin 0.7: </a:t>
+            </a:r>
+          </a:p>
+        </p:txBody>
+      </p:sp>
+      <p:sp>
+        <p:nvSpPr>
+          <p:cNvPr id="11" name="Content Placeholder 5"/>
+          <p:cNvSpPr txBox="1">
+            <a:spLocks/>
+          </p:cNvSpPr>
+          <p:nvPr/>
+        </p:nvSpPr>
+        <p:spPr>
+          <a:xfrm>
+            <a:off x="1022444" y="4071493"/>
+            <a:ext cx="4754880" cy="705841"/>
+          </a:xfrm>
+          <a:prstGeom prst="rect">
+            <a:avLst/>
+          </a:prstGeom>
+        </p:spPr>
+        <p:txBody>
+          <a:bodyPr vert="horz" lIns="45720" tIns="45720" rIns="45720" bIns="45720" rtlCol="0">
+            <a:normAutofit/>
+          </a:bodyPr>
+          <a:lstStyle>
+            <a:lvl1pPr marL="91440" indent="-91440" algn="l" defTabSz="914400" rtl="0" eaLnBrk="1" latinLnBrk="0" hangingPunct="1">
+              <a:lnSpc>
+                <a:spcPct val="90000"/>
+              </a:lnSpc>
+              <a:spcBef>
+                <a:spcPts val="1200"/>
+              </a:spcBef>
+              <a:spcAft>
+                <a:spcPts val="200"/>
+              </a:spcAft>
+              <a:buClr>
+                <a:schemeClr val="accent2"/>
+              </a:buClr>
+              <a:buSzPct val="100000"/>
+              <a:buFont typeface="Tw Cen MT" panose="020B0602020104020603" pitchFamily="34" charset="0"/>
+              <a:buChar char=" "/>
+              <a:defRPr sz="2200" kern="1200">
+                <a:solidFill>
+                  <a:schemeClr val="tx1"/>
+                </a:solidFill>
+                <a:latin typeface="+mn-lt"/>
+                <a:ea typeface="+mn-ea"/>
+                <a:cs typeface="+mn-cs"/>
+              </a:defRPr>
+            </a:lvl1pPr>
+            <a:lvl2pPr marL="265176" indent="-137160" algn="l" defTabSz="914400" rtl="0" eaLnBrk="1" latinLnBrk="0" hangingPunct="1">
+              <a:lnSpc>
+                <a:spcPct val="90000"/>
+              </a:lnSpc>
+              <a:spcBef>
+                <a:spcPts val="200"/>
+              </a:spcBef>
+              <a:spcAft>
+                <a:spcPts val="400"/>
+              </a:spcAft>
+              <a:buClr>
+                <a:schemeClr val="accent2"/>
+              </a:buClr>
+              <a:buFont typeface="Wingdings 3" pitchFamily="18" charset="2"/>
+              <a:buChar char=""/>
+              <a:defRPr sz="1800" kern="1200">
+                <a:solidFill>
+                  <a:schemeClr val="tx1"/>
+                </a:solidFill>
+                <a:latin typeface="+mn-lt"/>
+                <a:ea typeface="+mn-ea"/>
+                <a:cs typeface="+mn-cs"/>
+              </a:defRPr>
+            </a:lvl2pPr>
+            <a:lvl3pPr marL="448056" indent="-137160" algn="l" defTabSz="914400" rtl="0" eaLnBrk="1" latinLnBrk="0" hangingPunct="1">
+              <a:lnSpc>
+                <a:spcPct val="90000"/>
+              </a:lnSpc>
+              <a:spcBef>
+                <a:spcPts val="200"/>
+              </a:spcBef>
+              <a:spcAft>
+                <a:spcPts val="400"/>
+              </a:spcAft>
+              <a:buClr>
+                <a:schemeClr val="accent2"/>
+              </a:buClr>
+              <a:buFont typeface="Wingdings 3" pitchFamily="18" charset="2"/>
+              <a:buChar char=""/>
+              <a:defRPr sz="1400" kern="1200">
+                <a:solidFill>
+                  <a:schemeClr val="tx1"/>
+                </a:solidFill>
+                <a:latin typeface="+mn-lt"/>
+                <a:ea typeface="+mn-ea"/>
+                <a:cs typeface="+mn-cs"/>
+              </a:defRPr>
+            </a:lvl3pPr>
+            <a:lvl4pPr marL="594360" indent="-137160" algn="l" defTabSz="914400" rtl="0" eaLnBrk="1" latinLnBrk="0" hangingPunct="1">
+              <a:lnSpc>
+                <a:spcPct val="90000"/>
+              </a:lnSpc>
+              <a:spcBef>
+                <a:spcPts val="200"/>
+              </a:spcBef>
+              <a:spcAft>
+                <a:spcPts val="400"/>
+              </a:spcAft>
+              <a:buClr>
+                <a:schemeClr val="accent2"/>
+              </a:buClr>
+              <a:buFont typeface="Wingdings 3" pitchFamily="18" charset="2"/>
+              <a:buChar char=""/>
+              <a:defRPr sz="1400" kern="1200">
+                <a:solidFill>
+                  <a:schemeClr val="tx1"/>
+                </a:solidFill>
+                <a:latin typeface="+mn-lt"/>
+                <a:ea typeface="+mn-ea"/>
+                <a:cs typeface="+mn-cs"/>
+              </a:defRPr>
+            </a:lvl4pPr>
+            <a:lvl5pPr marL="777240" indent="-137160" algn="l" defTabSz="914400" rtl="0" eaLnBrk="1" latinLnBrk="0" hangingPunct="1">
+              <a:lnSpc>
+                <a:spcPct val="90000"/>
+              </a:lnSpc>
+              <a:spcBef>
+                <a:spcPts val="200"/>
+              </a:spcBef>
+              <a:spcAft>
+                <a:spcPts val="400"/>
+              </a:spcAft>
+              <a:buClr>
+                <a:schemeClr val="accent2"/>
+              </a:buClr>
+              <a:buFont typeface="Wingdings 3" pitchFamily="18" charset="2"/>
+              <a:buChar char=""/>
+              <a:defRPr sz="1400" kern="1200">
+                <a:solidFill>
+                  <a:schemeClr val="tx1"/>
+                </a:solidFill>
+                <a:latin typeface="+mn-lt"/>
+                <a:ea typeface="+mn-ea"/>
+                <a:cs typeface="+mn-cs"/>
+              </a:defRPr>
+            </a:lvl5pPr>
+            <a:lvl6pPr marL="914400" indent="-137160" algn="l" defTabSz="914400" rtl="0" eaLnBrk="1" latinLnBrk="0" hangingPunct="1">
+              <a:lnSpc>
+                <a:spcPct val="90000"/>
+              </a:lnSpc>
+              <a:spcBef>
+                <a:spcPts val="200"/>
+              </a:spcBef>
+              <a:spcAft>
+                <a:spcPts val="400"/>
+              </a:spcAft>
+              <a:buClr>
+                <a:schemeClr val="accent2"/>
+              </a:buClr>
+              <a:buFont typeface="Wingdings 3" pitchFamily="18" charset="2"/>
+              <a:buChar char=""/>
+              <a:defRPr sz="1400" kern="1200">
+                <a:solidFill>
+                  <a:schemeClr val="tx1"/>
+                </a:solidFill>
+                <a:latin typeface="+mn-lt"/>
+                <a:ea typeface="+mn-ea"/>
+                <a:cs typeface="+mn-cs"/>
+              </a:defRPr>
+            </a:lvl6pPr>
+            <a:lvl7pPr marL="1060704" indent="-137160" algn="l" defTabSz="914400" rtl="0" eaLnBrk="1" latinLnBrk="0" hangingPunct="1">
+              <a:lnSpc>
+                <a:spcPct val="90000"/>
+              </a:lnSpc>
+              <a:spcBef>
+                <a:spcPts val="200"/>
+              </a:spcBef>
+              <a:spcAft>
+                <a:spcPts val="400"/>
+              </a:spcAft>
+              <a:buClr>
+                <a:schemeClr val="accent2"/>
+              </a:buClr>
+              <a:buFont typeface="Wingdings 3" pitchFamily="18" charset="2"/>
+              <a:buChar char=""/>
+              <a:defRPr sz="1400" kern="1200">
+                <a:solidFill>
+                  <a:schemeClr val="tx1"/>
+                </a:solidFill>
+                <a:latin typeface="+mn-lt"/>
+                <a:ea typeface="+mn-ea"/>
+                <a:cs typeface="+mn-cs"/>
+              </a:defRPr>
+            </a:lvl7pPr>
+            <a:lvl8pPr marL="1216152" indent="-137160" algn="l" defTabSz="914400" rtl="0" eaLnBrk="1" latinLnBrk="0" hangingPunct="1">
+              <a:lnSpc>
+                <a:spcPct val="90000"/>
+              </a:lnSpc>
+              <a:spcBef>
+                <a:spcPts val="200"/>
+              </a:spcBef>
+              <a:spcAft>
+                <a:spcPts val="400"/>
+              </a:spcAft>
+              <a:buClr>
+                <a:schemeClr val="accent2"/>
+              </a:buClr>
+              <a:buFont typeface="Wingdings 3" pitchFamily="18" charset="2"/>
+              <a:buChar char=""/>
+              <a:defRPr sz="1400" kern="1200">
+                <a:solidFill>
+                  <a:schemeClr val="tx1"/>
+                </a:solidFill>
+                <a:latin typeface="+mn-lt"/>
+                <a:ea typeface="+mn-ea"/>
+                <a:cs typeface="+mn-cs"/>
+              </a:defRPr>
+            </a:lvl8pPr>
+            <a:lvl9pPr marL="1362456" indent="-137160" algn="l" defTabSz="914400" rtl="0" eaLnBrk="1" latinLnBrk="0" hangingPunct="1">
+              <a:lnSpc>
+                <a:spcPct val="90000"/>
+              </a:lnSpc>
+              <a:spcBef>
+                <a:spcPts val="200"/>
+              </a:spcBef>
+              <a:spcAft>
+                <a:spcPts val="400"/>
+              </a:spcAft>
+              <a:buClr>
+                <a:schemeClr val="accent2"/>
+              </a:buClr>
+              <a:buFont typeface="Wingdings 3" pitchFamily="18" charset="2"/>
+              <a:buChar char=""/>
+              <a:defRPr sz="1400" kern="1200">
+                <a:solidFill>
+                  <a:schemeClr val="tx1"/>
+                </a:solidFill>
+                <a:latin typeface="+mn-lt"/>
+                <a:ea typeface="+mn-ea"/>
+                <a:cs typeface="+mn-cs"/>
+              </a:defRPr>
+            </a:lvl9pPr>
+          </a:lstStyle>
+          <a:p>
+            <a:r>
+              <a:rPr lang="en-US" dirty="0" smtClean="0"/>
+              <a:t>Stay at state 3.</a:t>
+            </a:r>
+          </a:p>
+          <a:p>
+            <a:endParaRPr lang="en-US" dirty="0"/>
+          </a:p>
+        </p:txBody>
+      </p:sp>
+    </p:spTree>
+    <p:extLst>
+      <p:ext uri="{BB962C8B-B14F-4D97-AF65-F5344CB8AC3E}">
+        <p14:creationId xmlns:p14="http://schemas.microsoft.com/office/powerpoint/2010/main" val="991352406"/>
+      </p:ext>
+    </p:extLst>
+  </p:cSld>
+  <p:clrMapOvr>
+    <a:masterClrMapping/>
+  </p:clrMapOvr>
+  <p:timing>
+    <p:tnLst>
+      <p:par>
+        <p:cTn id="1" dur="indefinite" restart="never" nodeType="tmRoot"/>
+      </p:par>
+    </p:tnLst>
+  </p:timing>
+</p:sld>
+</file>
+
+<file path=ppt/slides/slide6.xml><?xml version="1.0" encoding="utf-8"?>
+<p:sld xmlns:a="http://schemas.openxmlformats.org/drawingml/2006/main" xmlns:r="http://schemas.openxmlformats.org/officeDocument/2006/relationships" xmlns:p="http://schemas.openxmlformats.org/presentationml/2006/main">
+  <p:cSld>
+    <p:spTree>
+      <p:nvGrpSpPr>
+        <p:cNvPr id="1" name=""/>
+        <p:cNvGrpSpPr/>
+        <p:nvPr/>
+      </p:nvGrpSpPr>
+      <p:grpSpPr>
+        <a:xfrm>
+          <a:off x="0" y="0"/>
+          <a:ext cx="0" cy="0"/>
+          <a:chOff x="0" y="0"/>
+          <a:chExt cx="0" cy="0"/>
+        </a:xfrm>
+      </p:grpSpPr>
+      <p:sp>
+        <p:nvSpPr>
+          <p:cNvPr id="2" name="Title 1"/>
+          <p:cNvSpPr>
+            <a:spLocks noGrp="1"/>
+          </p:cNvSpPr>
+          <p:nvPr>
+            <p:ph type="title"/>
+          </p:nvPr>
+        </p:nvSpPr>
+        <p:spPr/>
+        <p:txBody>
+          <a:bodyPr/>
+          <a:lstStyle/>
+          <a:p>
+            <a:endParaRPr lang="en-US"/>
+          </a:p>
+        </p:txBody>
+      </p:sp>
+      <p:sp>
+        <p:nvSpPr>
+          <p:cNvPr id="3" name="Text Placeholder 2"/>
+          <p:cNvSpPr>
+            <a:spLocks noGrp="1"/>
+          </p:cNvSpPr>
+          <p:nvPr>
+            <p:ph type="body" idx="1"/>
+          </p:nvPr>
+        </p:nvSpPr>
+        <p:spPr/>
+        <p:txBody>
+          <a:bodyPr/>
+          <a:lstStyle/>
+          <a:p>
+            <a:endParaRPr lang="en-US"/>
+          </a:p>
+        </p:txBody>
+      </p:sp>
+      <p:sp>
+        <p:nvSpPr>
+          <p:cNvPr id="4" name="Content Placeholder 3"/>
+          <p:cNvSpPr>
+            <a:spLocks noGrp="1"/>
+          </p:cNvSpPr>
+          <p:nvPr>
+            <p:ph sz="half" idx="2"/>
+          </p:nvPr>
+        </p:nvSpPr>
+        <p:spPr/>
+        <p:txBody>
+          <a:bodyPr/>
+          <a:lstStyle/>
+          <a:p>
+            <a:endParaRPr lang="en-US"/>
+          </a:p>
+        </p:txBody>
+      </p:sp>
+      <p:sp>
+        <p:nvSpPr>
+          <p:cNvPr id="5" name="Text Placeholder 4"/>
+          <p:cNvSpPr>
+            <a:spLocks noGrp="1"/>
+          </p:cNvSpPr>
+          <p:nvPr>
+            <p:ph type="body" sz="quarter" idx="3"/>
+          </p:nvPr>
+        </p:nvSpPr>
+        <p:spPr/>
+        <p:txBody>
+          <a:bodyPr/>
+          <a:lstStyle/>
+          <a:p>
+            <a:endParaRPr lang="en-US"/>
+          </a:p>
+        </p:txBody>
+      </p:sp>
+      <p:sp>
+        <p:nvSpPr>
+          <p:cNvPr id="6" name="Content Placeholder 5"/>
+          <p:cNvSpPr>
+            <a:spLocks noGrp="1"/>
+          </p:cNvSpPr>
+          <p:nvPr>
+            <p:ph sz="quarter" idx="4"/>
+          </p:nvPr>
+        </p:nvSpPr>
+        <p:spPr/>
+        <p:txBody>
+          <a:bodyPr/>
+          <a:lstStyle/>
+          <a:p>
+            <a:endParaRPr lang="en-US"/>
+          </a:p>
+        </p:txBody>
+      </p:sp>
+    </p:spTree>
+    <p:extLst>
+      <p:ext uri="{BB962C8B-B14F-4D97-AF65-F5344CB8AC3E}">
+        <p14:creationId xmlns:p14="http://schemas.microsoft.com/office/powerpoint/2010/main" val="674043264"/>
+      </p:ext>
+    </p:extLst>
+  </p:cSld>
+  <p:clrMapOvr>
+    <a:masterClrMapping/>
+  </p:clrMapOvr>
+  <p:timing>
+    <p:tnLst>
+      <p:par>
+        <p:cTn id="1" dur="indefinite" restart="never" nodeType="tmRoot"/>
+      </p:par>
+    </p:tnLst>
+  </p:timing>
+</p:sld>
+</file>
+
+<file path=ppt/slides/slide7.xml><?xml version="1.0" encoding="utf-8"?>
+<p:sld xmlns:a="http://schemas.openxmlformats.org/drawingml/2006/main" xmlns:r="http://schemas.openxmlformats.org/officeDocument/2006/relationships" xmlns:p="http://schemas.openxmlformats.org/presentationml/2006/main">
+  <p:cSld>
+    <p:spTree>
+      <p:nvGrpSpPr>
+        <p:cNvPr id="1" name=""/>
+        <p:cNvGrpSpPr/>
+        <p:nvPr/>
+      </p:nvGrpSpPr>
+      <p:grpSpPr>
+        <a:xfrm>
+          <a:off x="0" y="0"/>
+          <a:ext cx="0" cy="0"/>
+          <a:chOff x="0" y="0"/>
+          <a:chExt cx="0" cy="0"/>
+        </a:xfrm>
+      </p:grpSpPr>
+      <p:sp>
+        <p:nvSpPr>
+          <p:cNvPr id="2" name="Title 1"/>
+          <p:cNvSpPr>
+            <a:spLocks noGrp="1"/>
+          </p:cNvSpPr>
+          <p:nvPr>
+            <p:ph type="title"/>
+          </p:nvPr>
+        </p:nvSpPr>
+        <p:spPr/>
+        <p:txBody>
+          <a:bodyPr/>
+          <a:lstStyle/>
+          <a:p>
+            <a:endParaRPr lang="en-US"/>
+          </a:p>
+        </p:txBody>
+      </p:sp>
+      <p:pic>
+        <p:nvPicPr>
+          <p:cNvPr id="4" name="Content Placeholder 3"/>
+          <p:cNvPicPr>
+            <a:picLocks noGrp="1" noChangeAspect="1"/>
+          </p:cNvPicPr>
+          <p:nvPr>
+            <p:ph idx="1"/>
+          </p:nvPr>
+        </p:nvPicPr>
+        <p:blipFill>
+          <a:blip r:embed="rId2"/>
+          <a:stretch>
+            <a:fillRect/>
+          </a:stretch>
+        </p:blipFill>
+        <p:spPr>
+          <a:xfrm>
+            <a:off x="3185319" y="2398712"/>
+            <a:ext cx="5397500" cy="3797300"/>
+          </a:xfrm>
+          <a:prstGeom prst="rect">
+            <a:avLst/>
+          </a:prstGeom>
+        </p:spPr>
+      </p:pic>
+    </p:spTree>
+    <p:extLst>
+      <p:ext uri="{BB962C8B-B14F-4D97-AF65-F5344CB8AC3E}">
+        <p14:creationId xmlns:p14="http://schemas.microsoft.com/office/powerpoint/2010/main" val="127475216"/>
+      </p:ext>
+    </p:extLst>
+  </p:cSld>
+  <p:clrMapOvr>
+    <a:masterClrMapping/>
+  </p:clrMapOvr>
+  <p:timing>
+    <p:tnLst>
+      <p:par>
+        <p:cTn id="1" dur="indefinite" restart="never" nodeType="tmRoot"/>
+      </p:par>
+    </p:tnLst>
+  </p:timing>
+</p:sld>
+</file>
+
+<file path=ppt/slides/slide8.xml><?xml version="1.0" encoding="utf-8"?>
+<p:sld xmlns:a="http://schemas.openxmlformats.org/drawingml/2006/main" xmlns:r="http://schemas.openxmlformats.org/officeDocument/2006/relationships" xmlns:p="http://schemas.openxmlformats.org/presentationml/2006/main">
+  <p:cSld>
+    <p:spTree>
+      <p:nvGrpSpPr>
+        <p:cNvPr id="1" name=""/>
+        <p:cNvGrpSpPr/>
+        <p:nvPr/>
+      </p:nvGrpSpPr>
+      <p:grpSpPr>
+        <a:xfrm>
+          <a:off x="0" y="0"/>
+          <a:ext cx="0" cy="0"/>
+          <a:chOff x="0" y="0"/>
+          <a:chExt cx="0" cy="0"/>
+        </a:xfrm>
+      </p:grpSpPr>
+      <p:sp>
+        <p:nvSpPr>
+          <p:cNvPr id="2" name="Title 1"/>
+          <p:cNvSpPr>
+            <a:spLocks noGrp="1"/>
+          </p:cNvSpPr>
+          <p:nvPr>
             <p:ph type="ctrTitle"/>
           </p:nvPr>
         </p:nvSpPr>
@@ -4458,6 +7044,10 @@
           <a:bodyPr/>
           <a:lstStyle/>
           <a:p>
+            <a:r>
+              <a:rPr lang="en-US" dirty="0" smtClean="0"/>
+              <a:t>Transition Probabilities</a:t>
+            </a:r>
             <a:endParaRPr lang="en-US" dirty="0"/>
           </a:p>
         </p:txBody>
@@ -5232,6 +7822,482 @@
           </a:p>
         </p:txBody>
       </p:sp>
+      <mc:AlternateContent xmlns:mc="http://schemas.openxmlformats.org/markup-compatibility/2006">
+        <mc:Choice xmlns:a14="http://schemas.microsoft.com/office/drawing/2010/main" Requires="a14">
+          <p:sp>
+            <p:nvSpPr>
+              <p:cNvPr id="26" name="TextBox 25"/>
+              <p:cNvSpPr txBox="1"/>
+              <p:nvPr/>
+            </p:nvSpPr>
+            <p:spPr>
+              <a:xfrm>
+                <a:off x="8452462" y="1237008"/>
+                <a:ext cx="2379843" cy="807465"/>
+              </a:xfrm>
+              <a:prstGeom prst="rect">
+                <a:avLst/>
+              </a:prstGeom>
+              <a:noFill/>
+            </p:spPr>
+            <p:txBody>
+              <a:bodyPr wrap="square" rtlCol="0">
+                <a:spAutoFit/>
+              </a:bodyPr>
+              <a:lstStyle/>
+              <a:p>
+                <a:r>
+                  <a:rPr lang="en-US" dirty="0" smtClean="0"/>
+                  <a:t>Proposal prob. x </a:t>
+                </a:r>
+              </a:p>
+              <a:p>
+                <a:r>
+                  <a:rPr lang="en-US" dirty="0" smtClean="0"/>
+                  <a:t>min</a:t>
+                </a:r>
+                <a14:m>
+                  <m:oMath xmlns:m="http://schemas.openxmlformats.org/officeDocument/2006/math">
+                    <m:r>
+                      <a:rPr lang="en-US" b="0" i="0" dirty="0" smtClean="0">
+                        <a:latin typeface="Cambria Math" charset="0"/>
+                      </a:rPr>
+                      <m:t> </m:t>
+                    </m:r>
+                    <m:d>
+                      <m:dPr>
+                        <m:ctrlPr>
+                          <a:rPr lang="is-IS" i="1" dirty="0" smtClean="0">
+                            <a:latin typeface="Cambria Math" charset="0"/>
+                          </a:rPr>
+                        </m:ctrlPr>
+                      </m:dPr>
+                      <m:e>
+                        <m:f>
+                          <m:fPr>
+                            <m:ctrlPr>
+                              <a:rPr lang="bg-BG" i="1">
+                                <a:latin typeface="Cambria Math" charset="0"/>
+                              </a:rPr>
+                            </m:ctrlPr>
+                          </m:fPr>
+                          <m:num>
+                            <m:r>
+                              <a:rPr lang="en-US" i="1">
+                                <a:latin typeface="Cambria Math" charset="0"/>
+                              </a:rPr>
+                              <m:t>𝑝𝑟𝑜𝑝𝑜𝑠𝑒𝑑</m:t>
+                            </m:r>
+                            <m:r>
+                              <a:rPr lang="en-US" i="1">
+                                <a:latin typeface="Cambria Math" charset="0"/>
+                              </a:rPr>
+                              <m:t> </m:t>
+                            </m:r>
+                            <m:r>
+                              <a:rPr lang="en-US" i="1">
+                                <a:latin typeface="Cambria Math" charset="0"/>
+                              </a:rPr>
+                              <m:t>𝑝𝑜𝑝</m:t>
+                            </m:r>
+                            <m:r>
+                              <a:rPr lang="en-US" i="1">
+                                <a:latin typeface="Cambria Math" charset="0"/>
+                              </a:rPr>
+                              <m:t>.</m:t>
+                            </m:r>
+                          </m:num>
+                          <m:den>
+                            <m:r>
+                              <a:rPr lang="en-US" i="1">
+                                <a:latin typeface="Cambria Math" charset="0"/>
+                              </a:rPr>
+                              <m:t>𝑐𝑢𝑟𝑟𝑒𝑛𝑡</m:t>
+                            </m:r>
+                            <m:r>
+                              <a:rPr lang="en-US" i="1">
+                                <a:latin typeface="Cambria Math" charset="0"/>
+                              </a:rPr>
+                              <m:t> </m:t>
+                            </m:r>
+                            <m:r>
+                              <a:rPr lang="en-US" i="1">
+                                <a:latin typeface="Cambria Math" charset="0"/>
+                              </a:rPr>
+                              <m:t>𝑝𝑜𝑝</m:t>
+                            </m:r>
+                            <m:r>
+                              <a:rPr lang="en-US" i="1">
+                                <a:latin typeface="Cambria Math" charset="0"/>
+                              </a:rPr>
+                              <m:t>.</m:t>
+                            </m:r>
+                          </m:den>
+                        </m:f>
+                        <m:r>
+                          <a:rPr lang="en-US" b="0" i="1" smtClean="0">
+                            <a:latin typeface="Cambria Math" charset="0"/>
+                          </a:rPr>
+                          <m:t>, 1</m:t>
+                        </m:r>
+                      </m:e>
+                    </m:d>
+                  </m:oMath>
+                </a14:m>
+                <a:endParaRPr lang="en-US" dirty="0"/>
+              </a:p>
+            </p:txBody>
+          </p:sp>
+        </mc:Choice>
+        <mc:Fallback>
+          <p:sp>
+            <p:nvSpPr>
+              <p:cNvPr id="26" name="TextBox 25"/>
+              <p:cNvSpPr txBox="1">
+                <a:spLocks noRot="1" noChangeAspect="1" noMove="1" noResize="1" noEditPoints="1" noAdjustHandles="1" noChangeArrowheads="1" noChangeShapeType="1" noTextEdit="1"/>
+              </p:cNvSpPr>
+              <p:nvPr/>
+            </p:nvSpPr>
+            <p:spPr>
+              <a:xfrm>
+                <a:off x="8452462" y="1237008"/>
+                <a:ext cx="2379843" cy="807465"/>
+              </a:xfrm>
+              <a:prstGeom prst="rect">
+                <a:avLst/>
+              </a:prstGeom>
+              <a:blipFill rotWithShape="0">
+                <a:blip r:embed="rId2"/>
+                <a:stretch>
+                  <a:fillRect l="-2308" t="-4545" b="-44697"/>
+                </a:stretch>
+              </a:blipFill>
+            </p:spPr>
+            <p:txBody>
+              <a:bodyPr/>
+              <a:lstStyle/>
+              <a:p>
+                <a:r>
+                  <a:rPr lang="en-US">
+                    <a:noFill/>
+                  </a:rPr>
+                  <a:t> </a:t>
+                </a:r>
+              </a:p>
+            </p:txBody>
+          </p:sp>
+        </mc:Fallback>
+      </mc:AlternateContent>
+      <mc:AlternateContent xmlns:mc="http://schemas.openxmlformats.org/markup-compatibility/2006">
+        <mc:Choice xmlns:a14="http://schemas.microsoft.com/office/drawing/2010/main" Requires="a14">
+          <p:sp>
+            <p:nvSpPr>
+              <p:cNvPr id="34" name="TextBox 33"/>
+              <p:cNvSpPr txBox="1"/>
+              <p:nvPr/>
+            </p:nvSpPr>
+            <p:spPr>
+              <a:xfrm>
+                <a:off x="6380527" y="2253831"/>
+                <a:ext cx="2379843" cy="807465"/>
+              </a:xfrm>
+              <a:prstGeom prst="rect">
+                <a:avLst/>
+              </a:prstGeom>
+              <a:noFill/>
+            </p:spPr>
+            <p:txBody>
+              <a:bodyPr wrap="square" rtlCol="0">
+                <a:spAutoFit/>
+              </a:bodyPr>
+              <a:lstStyle/>
+              <a:p>
+                <a:r>
+                  <a:rPr lang="en-US" dirty="0" smtClean="0"/>
+                  <a:t>Proposal prob. x </a:t>
+                </a:r>
+              </a:p>
+              <a:p>
+                <a:r>
+                  <a:rPr lang="en-US" dirty="0" smtClean="0"/>
+                  <a:t>min</a:t>
+                </a:r>
+                <a14:m>
+                  <m:oMath xmlns:m="http://schemas.openxmlformats.org/officeDocument/2006/math">
+                    <m:r>
+                      <a:rPr lang="en-US" b="0" i="0" dirty="0" smtClean="0">
+                        <a:latin typeface="Cambria Math" charset="0"/>
+                      </a:rPr>
+                      <m:t> </m:t>
+                    </m:r>
+                    <m:d>
+                      <m:dPr>
+                        <m:ctrlPr>
+                          <a:rPr lang="is-IS" i="1" dirty="0" smtClean="0">
+                            <a:latin typeface="Cambria Math" charset="0"/>
+                          </a:rPr>
+                        </m:ctrlPr>
+                      </m:dPr>
+                      <m:e>
+                        <m:f>
+                          <m:fPr>
+                            <m:ctrlPr>
+                              <a:rPr lang="bg-BG" i="1">
+                                <a:latin typeface="Cambria Math" charset="0"/>
+                              </a:rPr>
+                            </m:ctrlPr>
+                          </m:fPr>
+                          <m:num>
+                            <m:r>
+                              <a:rPr lang="en-US" i="1">
+                                <a:latin typeface="Cambria Math" charset="0"/>
+                              </a:rPr>
+                              <m:t>𝑝𝑟𝑜𝑝𝑜𝑠𝑒𝑑</m:t>
+                            </m:r>
+                            <m:r>
+                              <a:rPr lang="en-US" i="1">
+                                <a:latin typeface="Cambria Math" charset="0"/>
+                              </a:rPr>
+                              <m:t> </m:t>
+                            </m:r>
+                            <m:r>
+                              <a:rPr lang="en-US" i="1">
+                                <a:latin typeface="Cambria Math" charset="0"/>
+                              </a:rPr>
+                              <m:t>𝑝𝑜𝑝</m:t>
+                            </m:r>
+                            <m:r>
+                              <a:rPr lang="en-US" i="1">
+                                <a:latin typeface="Cambria Math" charset="0"/>
+                              </a:rPr>
+                              <m:t>.</m:t>
+                            </m:r>
+                          </m:num>
+                          <m:den>
+                            <m:r>
+                              <a:rPr lang="en-US" i="1">
+                                <a:latin typeface="Cambria Math" charset="0"/>
+                              </a:rPr>
+                              <m:t>𝑐𝑢𝑟𝑟𝑒𝑛𝑡</m:t>
+                            </m:r>
+                            <m:r>
+                              <a:rPr lang="en-US" i="1">
+                                <a:latin typeface="Cambria Math" charset="0"/>
+                              </a:rPr>
+                              <m:t> </m:t>
+                            </m:r>
+                            <m:r>
+                              <a:rPr lang="en-US" i="1">
+                                <a:latin typeface="Cambria Math" charset="0"/>
+                              </a:rPr>
+                              <m:t>𝑝𝑜𝑝</m:t>
+                            </m:r>
+                            <m:r>
+                              <a:rPr lang="en-US" i="1">
+                                <a:latin typeface="Cambria Math" charset="0"/>
+                              </a:rPr>
+                              <m:t>.</m:t>
+                            </m:r>
+                          </m:den>
+                        </m:f>
+                        <m:r>
+                          <a:rPr lang="en-US" b="0" i="1" smtClean="0">
+                            <a:latin typeface="Cambria Math" charset="0"/>
+                          </a:rPr>
+                          <m:t>, 1</m:t>
+                        </m:r>
+                      </m:e>
+                    </m:d>
+                  </m:oMath>
+                </a14:m>
+                <a:endParaRPr lang="en-US" dirty="0"/>
+              </a:p>
+            </p:txBody>
+          </p:sp>
+        </mc:Choice>
+        <mc:Fallback>
+          <p:sp>
+            <p:nvSpPr>
+              <p:cNvPr id="34" name="TextBox 33"/>
+              <p:cNvSpPr txBox="1">
+                <a:spLocks noRot="1" noChangeAspect="1" noMove="1" noResize="1" noEditPoints="1" noAdjustHandles="1" noChangeArrowheads="1" noChangeShapeType="1" noTextEdit="1"/>
+              </p:cNvSpPr>
+              <p:nvPr/>
+            </p:nvSpPr>
+            <p:spPr>
+              <a:xfrm>
+                <a:off x="6380527" y="2253831"/>
+                <a:ext cx="2379843" cy="807465"/>
+              </a:xfrm>
+              <a:prstGeom prst="rect">
+                <a:avLst/>
+              </a:prstGeom>
+              <a:blipFill rotWithShape="0">
+                <a:blip r:embed="rId3"/>
+                <a:stretch>
+                  <a:fillRect l="-2308" t="-4545" b="-44697"/>
+                </a:stretch>
+              </a:blipFill>
+            </p:spPr>
+            <p:txBody>
+              <a:bodyPr/>
+              <a:lstStyle/>
+              <a:p>
+                <a:r>
+                  <a:rPr lang="en-US">
+                    <a:noFill/>
+                  </a:rPr>
+                  <a:t> </a:t>
+                </a:r>
+              </a:p>
+            </p:txBody>
+          </p:sp>
+        </mc:Fallback>
+      </mc:AlternateContent>
+      <p:cxnSp>
+        <p:nvCxnSpPr>
+          <p:cNvPr id="15" name="Straight Arrow Connector 14"/>
+          <p:cNvCxnSpPr/>
+          <p:nvPr/>
+        </p:nvCxnSpPr>
+        <p:spPr>
+          <a:xfrm flipH="1" flipV="1">
+            <a:off x="7893424" y="1917991"/>
+            <a:ext cx="1435098" cy="761843"/>
+          </a:xfrm>
+          <a:prstGeom prst="straightConnector1">
+            <a:avLst/>
+          </a:prstGeom>
+          <a:ln w="38100">
+            <a:solidFill>
+              <a:schemeClr val="bg1"/>
+            </a:solidFill>
+            <a:tailEnd type="triangle"/>
+          </a:ln>
+        </p:spPr>
+        <p:style>
+          <a:lnRef idx="1">
+            <a:schemeClr val="accent1"/>
+          </a:lnRef>
+          <a:fillRef idx="0">
+            <a:schemeClr val="accent1"/>
+          </a:fillRef>
+          <a:effectRef idx="0">
+            <a:schemeClr val="accent1"/>
+          </a:effectRef>
+          <a:fontRef idx="minor">
+            <a:schemeClr val="tx1"/>
+          </a:fontRef>
+        </p:style>
+      </p:cxnSp>
+      <p:cxnSp>
+        <p:nvCxnSpPr>
+          <p:cNvPr id="36" name="Straight Arrow Connector 35"/>
+          <p:cNvCxnSpPr/>
+          <p:nvPr/>
+        </p:nvCxnSpPr>
+        <p:spPr>
+          <a:xfrm flipH="1">
+            <a:off x="5920574" y="1626214"/>
+            <a:ext cx="1282658" cy="789757"/>
+          </a:xfrm>
+          <a:prstGeom prst="straightConnector1">
+            <a:avLst/>
+          </a:prstGeom>
+          <a:ln w="38100">
+            <a:solidFill>
+              <a:schemeClr val="bg1"/>
+            </a:solidFill>
+            <a:tailEnd type="triangle"/>
+          </a:ln>
+        </p:spPr>
+        <p:style>
+          <a:lnRef idx="1">
+            <a:schemeClr val="accent1"/>
+          </a:lnRef>
+          <a:fillRef idx="0">
+            <a:schemeClr val="accent1"/>
+          </a:fillRef>
+          <a:effectRef idx="0">
+            <a:schemeClr val="accent1"/>
+          </a:effectRef>
+          <a:fontRef idx="minor">
+            <a:schemeClr val="tx1"/>
+          </a:fontRef>
+        </p:style>
+      </p:cxnSp>
+      <p:cxnSp>
+        <p:nvCxnSpPr>
+          <p:cNvPr id="37" name="Straight Arrow Connector 36"/>
+          <p:cNvCxnSpPr/>
+          <p:nvPr/>
+        </p:nvCxnSpPr>
+        <p:spPr>
+          <a:xfrm flipH="1" flipV="1">
+            <a:off x="3991581" y="1920325"/>
+            <a:ext cx="1268793" cy="759508"/>
+          </a:xfrm>
+          <a:prstGeom prst="straightConnector1">
+            <a:avLst/>
+          </a:prstGeom>
+          <a:ln w="38100">
+            <a:solidFill>
+              <a:schemeClr val="bg1"/>
+            </a:solidFill>
+            <a:tailEnd type="triangle"/>
+          </a:ln>
+        </p:spPr>
+        <p:style>
+          <a:lnRef idx="1">
+            <a:schemeClr val="accent1"/>
+          </a:lnRef>
+          <a:fillRef idx="0">
+            <a:schemeClr val="accent1"/>
+          </a:fillRef>
+          <a:effectRef idx="0">
+            <a:schemeClr val="accent1"/>
+          </a:effectRef>
+          <a:fontRef idx="minor">
+            <a:schemeClr val="tx1"/>
+          </a:fontRef>
+        </p:style>
+      </p:cxnSp>
+      <p:cxnSp>
+        <p:nvCxnSpPr>
+          <p:cNvPr id="38" name="Straight Arrow Connector 37"/>
+          <p:cNvCxnSpPr/>
+          <p:nvPr/>
+        </p:nvCxnSpPr>
+        <p:spPr>
+          <a:xfrm flipH="1">
+            <a:off x="2486608" y="1917991"/>
+            <a:ext cx="1165479" cy="761842"/>
+          </a:xfrm>
+          <a:prstGeom prst="straightConnector1">
+            <a:avLst/>
+          </a:prstGeom>
+          <a:ln w="38100">
+            <a:solidFill>
+              <a:schemeClr val="bg1"/>
+            </a:solidFill>
+            <a:tailEnd type="triangle"/>
+          </a:ln>
+        </p:spPr>
+        <p:style>
+          <a:lnRef idx="1">
+            <a:schemeClr val="accent1"/>
+          </a:lnRef>
+          <a:fillRef idx="0">
+            <a:schemeClr val="accent1"/>
+          </a:fillRef>
+          <a:effectRef idx="0">
+            <a:schemeClr val="accent1"/>
+          </a:effectRef>
+          <a:fontRef idx="minor">
+            <a:schemeClr val="tx1"/>
+          </a:fontRef>
+        </p:style>
+      </p:cxnSp>
     </p:spTree>
     <p:extLst>
       <p:ext uri="{BB962C8B-B14F-4D97-AF65-F5344CB8AC3E}">
@@ -5242,6 +8308,1317 @@
   <p:clrMapOvr>
     <a:masterClrMapping/>
   </p:clrMapOvr>
+  <p:timing>
+    <p:tnLst>
+      <p:par>
+        <p:cTn id="1" dur="indefinite" restart="never" nodeType="tmRoot"/>
+      </p:par>
+    </p:tnLst>
+  </p:timing>
+</p:sld>
+</file>
+
+<file path=ppt/slides/slide9.xml><?xml version="1.0" encoding="utf-8"?>
+<p:sld xmlns:a="http://schemas.openxmlformats.org/drawingml/2006/main" xmlns:r="http://schemas.openxmlformats.org/officeDocument/2006/relationships" xmlns:p="http://schemas.openxmlformats.org/presentationml/2006/main">
+  <p:cSld>
+    <p:spTree>
+      <p:nvGrpSpPr>
+        <p:cNvPr id="1" name=""/>
+        <p:cNvGrpSpPr/>
+        <p:nvPr/>
+      </p:nvGrpSpPr>
+      <p:grpSpPr>
+        <a:xfrm>
+          <a:off x="0" y="0"/>
+          <a:ext cx="0" cy="0"/>
+          <a:chOff x="0" y="0"/>
+          <a:chExt cx="0" cy="0"/>
+        </a:xfrm>
+      </p:grpSpPr>
+      <p:sp>
+        <p:nvSpPr>
+          <p:cNvPr id="2" name="Title 1"/>
+          <p:cNvSpPr>
+            <a:spLocks noGrp="1"/>
+          </p:cNvSpPr>
+          <p:nvPr>
+            <p:ph type="ctrTitle"/>
+          </p:nvPr>
+        </p:nvSpPr>
+        <p:spPr/>
+        <p:txBody>
+          <a:bodyPr/>
+          <a:lstStyle/>
+          <a:p>
+            <a:r>
+              <a:rPr lang="en-US" dirty="0" smtClean="0"/>
+              <a:t>states</a:t>
+            </a:r>
+            <a:endParaRPr lang="en-US" dirty="0"/>
+          </a:p>
+        </p:txBody>
+      </p:sp>
+      <p:sp>
+        <p:nvSpPr>
+          <p:cNvPr id="3" name="Subtitle 2"/>
+          <p:cNvSpPr>
+            <a:spLocks noGrp="1"/>
+          </p:cNvSpPr>
+          <p:nvPr>
+            <p:ph type="subTitle" idx="1"/>
+          </p:nvPr>
+        </p:nvSpPr>
+        <p:spPr/>
+        <p:txBody>
+          <a:bodyPr/>
+          <a:lstStyle/>
+          <a:p>
+            <a:r>
+              <a:rPr lang="en-US" dirty="0" smtClean="0"/>
+              <a:t>Transition Probabilities</a:t>
+            </a:r>
+            <a:endParaRPr lang="en-US" dirty="0"/>
+          </a:p>
+        </p:txBody>
+      </p:sp>
+      <p:grpSp>
+        <p:nvGrpSpPr>
+          <p:cNvPr id="100" name="Group 99"/>
+          <p:cNvGrpSpPr/>
+          <p:nvPr/>
+        </p:nvGrpSpPr>
+        <p:grpSpPr>
+          <a:xfrm>
+            <a:off x="1499118" y="936172"/>
+            <a:ext cx="8811208" cy="2425960"/>
+            <a:chOff x="1499118" y="936172"/>
+            <a:chExt cx="8811208" cy="2425960"/>
+          </a:xfrm>
+        </p:grpSpPr>
+        <p:sp>
+          <p:nvSpPr>
+            <p:cNvPr id="4" name="Oval 3"/>
+            <p:cNvSpPr/>
+            <p:nvPr/>
+          </p:nvSpPr>
+          <p:spPr>
+            <a:xfrm>
+              <a:off x="1499118" y="2366866"/>
+              <a:ext cx="1026367" cy="995266"/>
+            </a:xfrm>
+            <a:prstGeom prst="ellipse">
+              <a:avLst/>
+            </a:prstGeom>
+            <a:solidFill>
+              <a:schemeClr val="bg2"/>
+            </a:solidFill>
+            <a:ln>
+              <a:solidFill>
+                <a:schemeClr val="bg1"/>
+              </a:solidFill>
+            </a:ln>
+          </p:spPr>
+          <p:style>
+            <a:lnRef idx="2">
+              <a:schemeClr val="accent1">
+                <a:shade val="50000"/>
+              </a:schemeClr>
+            </a:lnRef>
+            <a:fillRef idx="1">
+              <a:schemeClr val="accent1"/>
+            </a:fillRef>
+            <a:effectRef idx="0">
+              <a:schemeClr val="accent1"/>
+            </a:effectRef>
+            <a:fontRef idx="minor">
+              <a:schemeClr val="lt1"/>
+            </a:fontRef>
+          </p:style>
+          <p:txBody>
+            <a:bodyPr rtlCol="0" anchor="ctr"/>
+            <a:lstStyle/>
+            <a:p>
+              <a:pPr algn="ctr"/>
+              <a:endParaRPr lang="en-US"/>
+            </a:p>
+          </p:txBody>
+        </p:sp>
+        <p:sp>
+          <p:nvSpPr>
+            <p:cNvPr id="16" name="Oval 15"/>
+            <p:cNvSpPr/>
+            <p:nvPr/>
+          </p:nvSpPr>
+          <p:spPr>
+            <a:xfrm>
+              <a:off x="5228253" y="2366866"/>
+              <a:ext cx="1026367" cy="995266"/>
+            </a:xfrm>
+            <a:prstGeom prst="ellipse">
+              <a:avLst/>
+            </a:prstGeom>
+            <a:solidFill>
+              <a:schemeClr val="bg2"/>
+            </a:solidFill>
+            <a:ln>
+              <a:solidFill>
+                <a:schemeClr val="bg1"/>
+              </a:solidFill>
+            </a:ln>
+          </p:spPr>
+          <p:style>
+            <a:lnRef idx="2">
+              <a:schemeClr val="accent1">
+                <a:shade val="50000"/>
+              </a:schemeClr>
+            </a:lnRef>
+            <a:fillRef idx="1">
+              <a:schemeClr val="accent1"/>
+            </a:fillRef>
+            <a:effectRef idx="0">
+              <a:schemeClr val="accent1"/>
+            </a:effectRef>
+            <a:fontRef idx="minor">
+              <a:schemeClr val="lt1"/>
+            </a:fontRef>
+          </p:style>
+          <p:txBody>
+            <a:bodyPr rtlCol="0" anchor="ctr"/>
+            <a:lstStyle/>
+            <a:p>
+              <a:pPr algn="ctr"/>
+              <a:endParaRPr lang="en-US"/>
+            </a:p>
+          </p:txBody>
+        </p:sp>
+        <p:sp>
+          <p:nvSpPr>
+            <p:cNvPr id="17" name="Oval 16"/>
+            <p:cNvSpPr/>
+            <p:nvPr/>
+          </p:nvSpPr>
+          <p:spPr>
+            <a:xfrm>
+              <a:off x="3304592" y="936172"/>
+              <a:ext cx="1026367" cy="995266"/>
+            </a:xfrm>
+            <a:prstGeom prst="ellipse">
+              <a:avLst/>
+            </a:prstGeom>
+            <a:solidFill>
+              <a:schemeClr val="bg2"/>
+            </a:solidFill>
+            <a:ln>
+              <a:solidFill>
+                <a:schemeClr val="bg1"/>
+              </a:solidFill>
+            </a:ln>
+          </p:spPr>
+          <p:style>
+            <a:lnRef idx="2">
+              <a:schemeClr val="accent1">
+                <a:shade val="50000"/>
+              </a:schemeClr>
+            </a:lnRef>
+            <a:fillRef idx="1">
+              <a:schemeClr val="accent1"/>
+            </a:fillRef>
+            <a:effectRef idx="0">
+              <a:schemeClr val="accent1"/>
+            </a:effectRef>
+            <a:fontRef idx="minor">
+              <a:schemeClr val="lt1"/>
+            </a:fontRef>
+          </p:style>
+          <p:txBody>
+            <a:bodyPr rtlCol="0" anchor="ctr"/>
+            <a:lstStyle/>
+            <a:p>
+              <a:pPr algn="ctr"/>
+              <a:endParaRPr lang="en-US"/>
+            </a:p>
+          </p:txBody>
+        </p:sp>
+        <p:sp>
+          <p:nvSpPr>
+            <p:cNvPr id="18" name="Oval 17"/>
+            <p:cNvSpPr/>
+            <p:nvPr/>
+          </p:nvSpPr>
+          <p:spPr>
+            <a:xfrm>
+              <a:off x="7203233" y="936172"/>
+              <a:ext cx="1026367" cy="995266"/>
+            </a:xfrm>
+            <a:prstGeom prst="ellipse">
+              <a:avLst/>
+            </a:prstGeom>
+            <a:solidFill>
+              <a:schemeClr val="bg2"/>
+            </a:solidFill>
+            <a:ln>
+              <a:solidFill>
+                <a:schemeClr val="bg1"/>
+              </a:solidFill>
+            </a:ln>
+          </p:spPr>
+          <p:style>
+            <a:lnRef idx="2">
+              <a:schemeClr val="accent1">
+                <a:shade val="50000"/>
+              </a:schemeClr>
+            </a:lnRef>
+            <a:fillRef idx="1">
+              <a:schemeClr val="accent1"/>
+            </a:fillRef>
+            <a:effectRef idx="0">
+              <a:schemeClr val="accent1"/>
+            </a:effectRef>
+            <a:fontRef idx="minor">
+              <a:schemeClr val="lt1"/>
+            </a:fontRef>
+          </p:style>
+          <p:txBody>
+            <a:bodyPr rtlCol="0" anchor="ctr"/>
+            <a:lstStyle/>
+            <a:p>
+              <a:pPr algn="ctr"/>
+              <a:endParaRPr lang="en-US"/>
+            </a:p>
+          </p:txBody>
+        </p:sp>
+        <p:sp>
+          <p:nvSpPr>
+            <p:cNvPr id="19" name="Oval 18"/>
+            <p:cNvSpPr/>
+            <p:nvPr/>
+          </p:nvSpPr>
+          <p:spPr>
+            <a:xfrm>
+              <a:off x="9283959" y="2366866"/>
+              <a:ext cx="1026367" cy="995266"/>
+            </a:xfrm>
+            <a:prstGeom prst="ellipse">
+              <a:avLst/>
+            </a:prstGeom>
+            <a:solidFill>
+              <a:schemeClr val="bg2"/>
+            </a:solidFill>
+            <a:ln>
+              <a:solidFill>
+                <a:schemeClr val="bg1"/>
+              </a:solidFill>
+            </a:ln>
+          </p:spPr>
+          <p:style>
+            <a:lnRef idx="2">
+              <a:schemeClr val="accent1">
+                <a:shade val="50000"/>
+              </a:schemeClr>
+            </a:lnRef>
+            <a:fillRef idx="1">
+              <a:schemeClr val="accent1"/>
+            </a:fillRef>
+            <a:effectRef idx="0">
+              <a:schemeClr val="accent1"/>
+            </a:effectRef>
+            <a:fontRef idx="minor">
+              <a:schemeClr val="lt1"/>
+            </a:fontRef>
+          </p:style>
+          <p:txBody>
+            <a:bodyPr rtlCol="0" anchor="ctr"/>
+            <a:lstStyle/>
+            <a:p>
+              <a:pPr algn="ctr"/>
+              <a:endParaRPr lang="en-US"/>
+            </a:p>
+          </p:txBody>
+        </p:sp>
+      </p:grpSp>
+      <p:cxnSp>
+        <p:nvCxnSpPr>
+          <p:cNvPr id="25" name="Straight Arrow Connector 24"/>
+          <p:cNvCxnSpPr>
+            <a:stCxn id="4" idx="7"/>
+            <a:endCxn id="17" idx="3"/>
+          </p:cNvCxnSpPr>
+          <p:nvPr/>
+        </p:nvCxnSpPr>
+        <p:spPr>
+          <a:xfrm flipV="1">
+            <a:off x="2375177" y="1785685"/>
+            <a:ext cx="1079723" cy="726934"/>
+          </a:xfrm>
+          <a:prstGeom prst="straightConnector1">
+            <a:avLst/>
+          </a:prstGeom>
+          <a:ln w="38100">
+            <a:solidFill>
+              <a:schemeClr val="bg1"/>
+            </a:solidFill>
+            <a:tailEnd type="triangle"/>
+          </a:ln>
+        </p:spPr>
+        <p:style>
+          <a:lnRef idx="1">
+            <a:schemeClr val="accent1"/>
+          </a:lnRef>
+          <a:fillRef idx="0">
+            <a:schemeClr val="accent1"/>
+          </a:fillRef>
+          <a:effectRef idx="0">
+            <a:schemeClr val="accent1"/>
+          </a:effectRef>
+          <a:fontRef idx="minor">
+            <a:schemeClr val="tx1"/>
+          </a:fontRef>
+        </p:style>
+      </p:cxnSp>
+      <p:cxnSp>
+        <p:nvCxnSpPr>
+          <p:cNvPr id="27" name="Straight Arrow Connector 26"/>
+          <p:cNvCxnSpPr>
+            <a:stCxn id="17" idx="5"/>
+            <a:endCxn id="16" idx="1"/>
+          </p:cNvCxnSpPr>
+          <p:nvPr/>
+        </p:nvCxnSpPr>
+        <p:spPr>
+          <a:xfrm>
+            <a:off x="4180651" y="1785685"/>
+            <a:ext cx="1197910" cy="726934"/>
+          </a:xfrm>
+          <a:prstGeom prst="straightConnector1">
+            <a:avLst/>
+          </a:prstGeom>
+          <a:ln w="38100">
+            <a:solidFill>
+              <a:schemeClr val="bg1"/>
+            </a:solidFill>
+            <a:tailEnd type="triangle"/>
+          </a:ln>
+        </p:spPr>
+        <p:style>
+          <a:lnRef idx="1">
+            <a:schemeClr val="accent1"/>
+          </a:lnRef>
+          <a:fillRef idx="0">
+            <a:schemeClr val="accent1"/>
+          </a:fillRef>
+          <a:effectRef idx="0">
+            <a:schemeClr val="accent1"/>
+          </a:effectRef>
+          <a:fontRef idx="minor">
+            <a:schemeClr val="tx1"/>
+          </a:fontRef>
+        </p:style>
+      </p:cxnSp>
+      <p:cxnSp>
+        <p:nvCxnSpPr>
+          <p:cNvPr id="29" name="Straight Arrow Connector 28"/>
+          <p:cNvCxnSpPr>
+            <a:stCxn id="16" idx="7"/>
+            <a:endCxn id="18" idx="3"/>
+          </p:cNvCxnSpPr>
+          <p:nvPr/>
+        </p:nvCxnSpPr>
+        <p:spPr>
+          <a:xfrm flipV="1">
+            <a:off x="6104312" y="1785685"/>
+            <a:ext cx="1249229" cy="726934"/>
+          </a:xfrm>
+          <a:prstGeom prst="straightConnector1">
+            <a:avLst/>
+          </a:prstGeom>
+          <a:ln w="38100">
+            <a:solidFill>
+              <a:schemeClr val="bg1"/>
+            </a:solidFill>
+            <a:tailEnd type="triangle"/>
+          </a:ln>
+        </p:spPr>
+        <p:style>
+          <a:lnRef idx="1">
+            <a:schemeClr val="accent1"/>
+          </a:lnRef>
+          <a:fillRef idx="0">
+            <a:schemeClr val="accent1"/>
+          </a:fillRef>
+          <a:effectRef idx="0">
+            <a:schemeClr val="accent1"/>
+          </a:effectRef>
+          <a:fontRef idx="minor">
+            <a:schemeClr val="tx1"/>
+          </a:fontRef>
+        </p:style>
+      </p:cxnSp>
+      <p:cxnSp>
+        <p:nvCxnSpPr>
+          <p:cNvPr id="31" name="Straight Arrow Connector 30"/>
+          <p:cNvCxnSpPr>
+            <a:stCxn id="18" idx="5"/>
+            <a:endCxn id="19" idx="1"/>
+          </p:cNvCxnSpPr>
+          <p:nvPr/>
+        </p:nvCxnSpPr>
+        <p:spPr>
+          <a:xfrm>
+            <a:off x="8079292" y="1785685"/>
+            <a:ext cx="1354975" cy="726934"/>
+          </a:xfrm>
+          <a:prstGeom prst="straightConnector1">
+            <a:avLst/>
+          </a:prstGeom>
+          <a:ln w="38100">
+            <a:solidFill>
+              <a:schemeClr val="bg1"/>
+            </a:solidFill>
+            <a:tailEnd type="triangle"/>
+          </a:ln>
+        </p:spPr>
+        <p:style>
+          <a:lnRef idx="1">
+            <a:schemeClr val="accent1"/>
+          </a:lnRef>
+          <a:fillRef idx="0">
+            <a:schemeClr val="accent1"/>
+          </a:fillRef>
+          <a:effectRef idx="0">
+            <a:schemeClr val="accent1"/>
+          </a:effectRef>
+          <a:fontRef idx="minor">
+            <a:schemeClr val="tx1"/>
+          </a:fontRef>
+        </p:style>
+      </p:cxnSp>
+      <p:cxnSp>
+        <p:nvCxnSpPr>
+          <p:cNvPr id="82" name="Curved Connector 81"/>
+          <p:cNvCxnSpPr>
+            <a:stCxn id="4" idx="3"/>
+            <a:endCxn id="4" idx="2"/>
+          </p:cNvCxnSpPr>
+          <p:nvPr/>
+        </p:nvCxnSpPr>
+        <p:spPr>
+          <a:xfrm rot="5400000" flipH="1">
+            <a:off x="1398332" y="2965285"/>
+            <a:ext cx="351880" cy="150308"/>
+          </a:xfrm>
+          <a:prstGeom prst="curvedConnector4">
+            <a:avLst>
+              <a:gd name="adj1" fmla="val -26838"/>
+              <a:gd name="adj2" fmla="val 742493"/>
+            </a:avLst>
+          </a:prstGeom>
+          <a:ln w="38100">
+            <a:solidFill>
+              <a:schemeClr val="bg1"/>
+            </a:solidFill>
+            <a:tailEnd type="triangle"/>
+          </a:ln>
+        </p:spPr>
+        <p:style>
+          <a:lnRef idx="1">
+            <a:schemeClr val="accent1"/>
+          </a:lnRef>
+          <a:fillRef idx="0">
+            <a:schemeClr val="accent1"/>
+          </a:fillRef>
+          <a:effectRef idx="0">
+            <a:schemeClr val="accent1"/>
+          </a:effectRef>
+          <a:fontRef idx="minor">
+            <a:schemeClr val="tx1"/>
+          </a:fontRef>
+        </p:style>
+      </p:cxnSp>
+      <p:cxnSp>
+        <p:nvCxnSpPr>
+          <p:cNvPr id="88" name="Curved Connector 87"/>
+          <p:cNvCxnSpPr>
+            <a:stCxn id="17" idx="2"/>
+            <a:endCxn id="17" idx="0"/>
+          </p:cNvCxnSpPr>
+          <p:nvPr/>
+        </p:nvCxnSpPr>
+        <p:spPr>
+          <a:xfrm rot="10800000" flipH="1">
+            <a:off x="3304592" y="936173"/>
+            <a:ext cx="513184" cy="497633"/>
+          </a:xfrm>
+          <a:prstGeom prst="curvedConnector4">
+            <a:avLst>
+              <a:gd name="adj1" fmla="val -155454"/>
+              <a:gd name="adj2" fmla="val 145937"/>
+            </a:avLst>
+          </a:prstGeom>
+          <a:ln w="38100">
+            <a:solidFill>
+              <a:schemeClr val="bg1"/>
+            </a:solidFill>
+            <a:tailEnd type="triangle"/>
+          </a:ln>
+        </p:spPr>
+        <p:style>
+          <a:lnRef idx="1">
+            <a:schemeClr val="accent1"/>
+          </a:lnRef>
+          <a:fillRef idx="0">
+            <a:schemeClr val="accent1"/>
+          </a:fillRef>
+          <a:effectRef idx="0">
+            <a:schemeClr val="accent1"/>
+          </a:effectRef>
+          <a:fontRef idx="minor">
+            <a:schemeClr val="tx1"/>
+          </a:fontRef>
+        </p:style>
+      </p:cxnSp>
+      <p:cxnSp>
+        <p:nvCxnSpPr>
+          <p:cNvPr id="90" name="Curved Connector 89"/>
+          <p:cNvCxnSpPr/>
+          <p:nvPr/>
+        </p:nvCxnSpPr>
+        <p:spPr>
+          <a:xfrm rot="10800000" flipH="1">
+            <a:off x="7203232" y="936172"/>
+            <a:ext cx="513184" cy="497633"/>
+          </a:xfrm>
+          <a:prstGeom prst="curvedConnector4">
+            <a:avLst>
+              <a:gd name="adj1" fmla="val -155454"/>
+              <a:gd name="adj2" fmla="val 145937"/>
+            </a:avLst>
+          </a:prstGeom>
+          <a:ln w="38100">
+            <a:solidFill>
+              <a:schemeClr val="bg1"/>
+            </a:solidFill>
+            <a:tailEnd type="triangle"/>
+          </a:ln>
+        </p:spPr>
+        <p:style>
+          <a:lnRef idx="1">
+            <a:schemeClr val="accent1"/>
+          </a:lnRef>
+          <a:fillRef idx="0">
+            <a:schemeClr val="accent1"/>
+          </a:fillRef>
+          <a:effectRef idx="0">
+            <a:schemeClr val="accent1"/>
+          </a:effectRef>
+          <a:fontRef idx="minor">
+            <a:schemeClr val="tx1"/>
+          </a:fontRef>
+        </p:style>
+      </p:cxnSp>
+      <p:cxnSp>
+        <p:nvCxnSpPr>
+          <p:cNvPr id="91" name="Curved Connector 90"/>
+          <p:cNvCxnSpPr/>
+          <p:nvPr/>
+        </p:nvCxnSpPr>
+        <p:spPr>
+          <a:xfrm rot="5400000" flipH="1">
+            <a:off x="5127467" y="2965285"/>
+            <a:ext cx="351880" cy="150308"/>
+          </a:xfrm>
+          <a:prstGeom prst="curvedConnector4">
+            <a:avLst>
+              <a:gd name="adj1" fmla="val -26838"/>
+              <a:gd name="adj2" fmla="val 742493"/>
+            </a:avLst>
+          </a:prstGeom>
+          <a:ln w="38100">
+            <a:solidFill>
+              <a:schemeClr val="bg1"/>
+            </a:solidFill>
+            <a:tailEnd type="triangle"/>
+          </a:ln>
+        </p:spPr>
+        <p:style>
+          <a:lnRef idx="1">
+            <a:schemeClr val="accent1"/>
+          </a:lnRef>
+          <a:fillRef idx="0">
+            <a:schemeClr val="accent1"/>
+          </a:fillRef>
+          <a:effectRef idx="0">
+            <a:schemeClr val="accent1"/>
+          </a:effectRef>
+          <a:fontRef idx="minor">
+            <a:schemeClr val="tx1"/>
+          </a:fontRef>
+        </p:style>
+      </p:cxnSp>
+      <p:cxnSp>
+        <p:nvCxnSpPr>
+          <p:cNvPr id="94" name="Curved Connector 93"/>
+          <p:cNvCxnSpPr>
+            <a:stCxn id="19" idx="5"/>
+            <a:endCxn id="19" idx="6"/>
+          </p:cNvCxnSpPr>
+          <p:nvPr/>
+        </p:nvCxnSpPr>
+        <p:spPr>
+          <a:xfrm rot="5400000" flipH="1" flipV="1">
+            <a:off x="10059232" y="2965285"/>
+            <a:ext cx="351880" cy="150308"/>
+          </a:xfrm>
+          <a:prstGeom prst="curvedConnector4">
+            <a:avLst>
+              <a:gd name="adj1" fmla="val -50703"/>
+              <a:gd name="adj2" fmla="val 785946"/>
+            </a:avLst>
+          </a:prstGeom>
+          <a:ln w="38100">
+            <a:solidFill>
+              <a:schemeClr val="bg1"/>
+            </a:solidFill>
+            <a:tailEnd type="triangle"/>
+          </a:ln>
+        </p:spPr>
+        <p:style>
+          <a:lnRef idx="1">
+            <a:schemeClr val="accent1"/>
+          </a:lnRef>
+          <a:fillRef idx="0">
+            <a:schemeClr val="accent1"/>
+          </a:fillRef>
+          <a:effectRef idx="0">
+            <a:schemeClr val="accent1"/>
+          </a:effectRef>
+          <a:fontRef idx="minor">
+            <a:schemeClr val="tx1"/>
+          </a:fontRef>
+        </p:style>
+      </p:cxnSp>
+      <p:sp>
+        <p:nvSpPr>
+          <p:cNvPr id="5" name="TextBox 4"/>
+          <p:cNvSpPr txBox="1"/>
+          <p:nvPr/>
+        </p:nvSpPr>
+        <p:spPr>
+          <a:xfrm>
+            <a:off x="1698679" y="2679833"/>
+            <a:ext cx="627243" cy="369332"/>
+          </a:xfrm>
+          <a:prstGeom prst="rect">
+            <a:avLst/>
+          </a:prstGeom>
+          <a:noFill/>
+        </p:spPr>
+        <p:txBody>
+          <a:bodyPr wrap="square" rtlCol="0">
+            <a:spAutoFit/>
+          </a:bodyPr>
+          <a:lstStyle/>
+          <a:p>
+            <a:pPr algn="ctr"/>
+            <a:r>
+              <a:rPr lang="en-US" dirty="0" smtClean="0"/>
+              <a:t>S1</a:t>
+            </a:r>
+            <a:endParaRPr lang="en-US" dirty="0"/>
+          </a:p>
+        </p:txBody>
+      </p:sp>
+      <p:sp>
+        <p:nvSpPr>
+          <p:cNvPr id="28" name="TextBox 27"/>
+          <p:cNvSpPr txBox="1"/>
+          <p:nvPr/>
+        </p:nvSpPr>
+        <p:spPr>
+          <a:xfrm>
+            <a:off x="3504155" y="1256882"/>
+            <a:ext cx="627243" cy="369332"/>
+          </a:xfrm>
+          <a:prstGeom prst="rect">
+            <a:avLst/>
+          </a:prstGeom>
+          <a:noFill/>
+        </p:spPr>
+        <p:txBody>
+          <a:bodyPr wrap="square" rtlCol="0">
+            <a:spAutoFit/>
+          </a:bodyPr>
+          <a:lstStyle/>
+          <a:p>
+            <a:pPr algn="ctr"/>
+            <a:r>
+              <a:rPr lang="en-US" dirty="0" smtClean="0"/>
+              <a:t>S2</a:t>
+            </a:r>
+            <a:endParaRPr lang="en-US" dirty="0"/>
+          </a:p>
+        </p:txBody>
+      </p:sp>
+      <p:sp>
+        <p:nvSpPr>
+          <p:cNvPr id="30" name="TextBox 29"/>
+          <p:cNvSpPr txBox="1"/>
+          <p:nvPr/>
+        </p:nvSpPr>
+        <p:spPr>
+          <a:xfrm>
+            <a:off x="5427816" y="2679833"/>
+            <a:ext cx="627243" cy="369332"/>
+          </a:xfrm>
+          <a:prstGeom prst="rect">
+            <a:avLst/>
+          </a:prstGeom>
+          <a:noFill/>
+        </p:spPr>
+        <p:txBody>
+          <a:bodyPr wrap="square" rtlCol="0">
+            <a:spAutoFit/>
+          </a:bodyPr>
+          <a:lstStyle/>
+          <a:p>
+            <a:pPr algn="ctr"/>
+            <a:r>
+              <a:rPr lang="en-US" dirty="0" smtClean="0"/>
+              <a:t>S3</a:t>
+            </a:r>
+            <a:endParaRPr lang="en-US" dirty="0"/>
+          </a:p>
+        </p:txBody>
+      </p:sp>
+      <p:sp>
+        <p:nvSpPr>
+          <p:cNvPr id="32" name="TextBox 31"/>
+          <p:cNvSpPr txBox="1"/>
+          <p:nvPr/>
+        </p:nvSpPr>
+        <p:spPr>
+          <a:xfrm>
+            <a:off x="7402794" y="1249139"/>
+            <a:ext cx="627243" cy="369332"/>
+          </a:xfrm>
+          <a:prstGeom prst="rect">
+            <a:avLst/>
+          </a:prstGeom>
+          <a:noFill/>
+        </p:spPr>
+        <p:txBody>
+          <a:bodyPr wrap="square" rtlCol="0">
+            <a:spAutoFit/>
+          </a:bodyPr>
+          <a:lstStyle/>
+          <a:p>
+            <a:pPr algn="ctr"/>
+            <a:r>
+              <a:rPr lang="en-US" dirty="0" smtClean="0"/>
+              <a:t>S4</a:t>
+            </a:r>
+            <a:endParaRPr lang="en-US" dirty="0"/>
+          </a:p>
+        </p:txBody>
+      </p:sp>
+      <p:sp>
+        <p:nvSpPr>
+          <p:cNvPr id="33" name="TextBox 32"/>
+          <p:cNvSpPr txBox="1"/>
+          <p:nvPr/>
+        </p:nvSpPr>
+        <p:spPr>
+          <a:xfrm>
+            <a:off x="9483520" y="2679833"/>
+            <a:ext cx="627243" cy="369332"/>
+          </a:xfrm>
+          <a:prstGeom prst="rect">
+            <a:avLst/>
+          </a:prstGeom>
+          <a:noFill/>
+        </p:spPr>
+        <p:txBody>
+          <a:bodyPr wrap="square" rtlCol="0">
+            <a:spAutoFit/>
+          </a:bodyPr>
+          <a:lstStyle/>
+          <a:p>
+            <a:pPr algn="ctr"/>
+            <a:r>
+              <a:rPr lang="en-US" dirty="0" smtClean="0"/>
+              <a:t>S5</a:t>
+            </a:r>
+            <a:endParaRPr lang="en-US" dirty="0"/>
+          </a:p>
+        </p:txBody>
+      </p:sp>
+      <p:cxnSp>
+        <p:nvCxnSpPr>
+          <p:cNvPr id="15" name="Straight Arrow Connector 14"/>
+          <p:cNvCxnSpPr/>
+          <p:nvPr/>
+        </p:nvCxnSpPr>
+        <p:spPr>
+          <a:xfrm flipH="1" flipV="1">
+            <a:off x="7893424" y="1917991"/>
+            <a:ext cx="1435098" cy="761843"/>
+          </a:xfrm>
+          <a:prstGeom prst="straightConnector1">
+            <a:avLst/>
+          </a:prstGeom>
+          <a:ln w="38100">
+            <a:solidFill>
+              <a:schemeClr val="bg1"/>
+            </a:solidFill>
+            <a:tailEnd type="triangle"/>
+          </a:ln>
+        </p:spPr>
+        <p:style>
+          <a:lnRef idx="1">
+            <a:schemeClr val="accent1"/>
+          </a:lnRef>
+          <a:fillRef idx="0">
+            <a:schemeClr val="accent1"/>
+          </a:fillRef>
+          <a:effectRef idx="0">
+            <a:schemeClr val="accent1"/>
+          </a:effectRef>
+          <a:fontRef idx="minor">
+            <a:schemeClr val="tx1"/>
+          </a:fontRef>
+        </p:style>
+      </p:cxnSp>
+      <p:cxnSp>
+        <p:nvCxnSpPr>
+          <p:cNvPr id="36" name="Straight Arrow Connector 35"/>
+          <p:cNvCxnSpPr/>
+          <p:nvPr/>
+        </p:nvCxnSpPr>
+        <p:spPr>
+          <a:xfrm flipH="1">
+            <a:off x="5920574" y="1634902"/>
+            <a:ext cx="1327222" cy="767622"/>
+          </a:xfrm>
+          <a:prstGeom prst="straightConnector1">
+            <a:avLst/>
+          </a:prstGeom>
+          <a:ln w="38100">
+            <a:solidFill>
+              <a:schemeClr val="bg1"/>
+            </a:solidFill>
+            <a:tailEnd type="triangle"/>
+          </a:ln>
+        </p:spPr>
+        <p:style>
+          <a:lnRef idx="1">
+            <a:schemeClr val="accent1"/>
+          </a:lnRef>
+          <a:fillRef idx="0">
+            <a:schemeClr val="accent1"/>
+          </a:fillRef>
+          <a:effectRef idx="0">
+            <a:schemeClr val="accent1"/>
+          </a:effectRef>
+          <a:fontRef idx="minor">
+            <a:schemeClr val="tx1"/>
+          </a:fontRef>
+        </p:style>
+      </p:cxnSp>
+      <p:cxnSp>
+        <p:nvCxnSpPr>
+          <p:cNvPr id="37" name="Straight Arrow Connector 36"/>
+          <p:cNvCxnSpPr/>
+          <p:nvPr/>
+        </p:nvCxnSpPr>
+        <p:spPr>
+          <a:xfrm flipH="1" flipV="1">
+            <a:off x="3991581" y="1920325"/>
+            <a:ext cx="1268793" cy="759508"/>
+          </a:xfrm>
+          <a:prstGeom prst="straightConnector1">
+            <a:avLst/>
+          </a:prstGeom>
+          <a:ln w="38100">
+            <a:solidFill>
+              <a:schemeClr val="bg1"/>
+            </a:solidFill>
+            <a:tailEnd type="triangle"/>
+          </a:ln>
+        </p:spPr>
+        <p:style>
+          <a:lnRef idx="1">
+            <a:schemeClr val="accent1"/>
+          </a:lnRef>
+          <a:fillRef idx="0">
+            <a:schemeClr val="accent1"/>
+          </a:fillRef>
+          <a:effectRef idx="0">
+            <a:schemeClr val="accent1"/>
+          </a:effectRef>
+          <a:fontRef idx="minor">
+            <a:schemeClr val="tx1"/>
+          </a:fontRef>
+        </p:style>
+      </p:cxnSp>
+      <p:cxnSp>
+        <p:nvCxnSpPr>
+          <p:cNvPr id="38" name="Straight Arrow Connector 37"/>
+          <p:cNvCxnSpPr/>
+          <p:nvPr/>
+        </p:nvCxnSpPr>
+        <p:spPr>
+          <a:xfrm flipH="1">
+            <a:off x="2486608" y="1917991"/>
+            <a:ext cx="1165479" cy="761842"/>
+          </a:xfrm>
+          <a:prstGeom prst="straightConnector1">
+            <a:avLst/>
+          </a:prstGeom>
+          <a:ln w="38100">
+            <a:solidFill>
+              <a:schemeClr val="bg1"/>
+            </a:solidFill>
+            <a:tailEnd type="triangle"/>
+          </a:ln>
+        </p:spPr>
+        <p:style>
+          <a:lnRef idx="1">
+            <a:schemeClr val="accent1"/>
+          </a:lnRef>
+          <a:fillRef idx="0">
+            <a:schemeClr val="accent1"/>
+          </a:fillRef>
+          <a:effectRef idx="0">
+            <a:schemeClr val="accent1"/>
+          </a:effectRef>
+          <a:fontRef idx="minor">
+            <a:schemeClr val="tx1"/>
+          </a:fontRef>
+        </p:style>
+      </p:cxnSp>
+      <p:sp>
+        <p:nvSpPr>
+          <p:cNvPr id="35" name="TextBox 34"/>
+          <p:cNvSpPr txBox="1"/>
+          <p:nvPr/>
+        </p:nvSpPr>
+        <p:spPr>
+          <a:xfrm>
+            <a:off x="5416790" y="270293"/>
+            <a:ext cx="1508982" cy="646331"/>
+          </a:xfrm>
+          <a:prstGeom prst="rect">
+            <a:avLst/>
+          </a:prstGeom>
+          <a:noFill/>
+        </p:spPr>
+        <p:txBody>
+          <a:bodyPr wrap="square" rtlCol="0">
+            <a:spAutoFit/>
+          </a:bodyPr>
+          <a:lstStyle/>
+          <a:p>
+            <a:r>
+              <a:rPr lang="en-US" dirty="0" smtClean="0"/>
+              <a:t>1- ½ - 3/8 = </a:t>
+            </a:r>
+            <a:r>
+              <a:rPr lang="en-US" b="1" dirty="0" smtClean="0"/>
+              <a:t>0.125</a:t>
+            </a:r>
+            <a:endParaRPr lang="en-US" b="1" dirty="0"/>
+          </a:p>
+        </p:txBody>
+      </p:sp>
+      <mc:AlternateContent xmlns:mc="http://schemas.openxmlformats.org/markup-compatibility/2006">
+        <mc:Choice xmlns:a14="http://schemas.microsoft.com/office/drawing/2010/main" Requires="a14">
+          <p:sp>
+            <p:nvSpPr>
+              <p:cNvPr id="39" name="TextBox 38"/>
+              <p:cNvSpPr txBox="1"/>
+              <p:nvPr/>
+            </p:nvSpPr>
+            <p:spPr>
+              <a:xfrm>
+                <a:off x="6454752" y="2281619"/>
+                <a:ext cx="1834961" cy="1060868"/>
+              </a:xfrm>
+              <a:prstGeom prst="rect">
+                <a:avLst/>
+              </a:prstGeom>
+              <a:noFill/>
+            </p:spPr>
+            <p:txBody>
+              <a:bodyPr wrap="square" rtlCol="0">
+                <a:spAutoFit/>
+              </a:bodyPr>
+              <a:lstStyle/>
+              <a:p>
+                <a:r>
+                  <a:rPr lang="en-US" dirty="0" smtClean="0"/>
+                  <a:t>0.5 x min</a:t>
+                </a:r>
+                <a14:m>
+                  <m:oMath xmlns:m="http://schemas.openxmlformats.org/officeDocument/2006/math">
+                    <m:r>
+                      <a:rPr lang="en-US" b="0" i="0" dirty="0" smtClean="0">
+                        <a:latin typeface="Cambria Math" charset="0"/>
+                      </a:rPr>
+                      <m:t> </m:t>
+                    </m:r>
+                    <m:d>
+                      <m:dPr>
+                        <m:ctrlPr>
+                          <a:rPr lang="is-IS" i="1" dirty="0" smtClean="0">
+                            <a:latin typeface="Cambria Math" charset="0"/>
+                          </a:rPr>
+                        </m:ctrlPr>
+                      </m:dPr>
+                      <m:e>
+                        <m:f>
+                          <m:fPr>
+                            <m:ctrlPr>
+                              <a:rPr lang="bg-BG" i="1">
+                                <a:latin typeface="Cambria Math" charset="0"/>
+                              </a:rPr>
+                            </m:ctrlPr>
+                          </m:fPr>
+                          <m:num>
+                            <m:r>
+                              <a:rPr lang="en-US" b="0" i="1" smtClean="0">
+                                <a:latin typeface="Cambria Math" charset="0"/>
+                              </a:rPr>
+                              <m:t>3</m:t>
+                            </m:r>
+                          </m:num>
+                          <m:den>
+                            <m:r>
+                              <a:rPr lang="en-US" b="0" i="1" smtClean="0">
+                                <a:latin typeface="Cambria Math" charset="0"/>
+                              </a:rPr>
+                              <m:t>4</m:t>
+                            </m:r>
+                          </m:den>
+                        </m:f>
+                        <m:r>
+                          <a:rPr lang="en-US" b="0" i="1" smtClean="0">
+                            <a:latin typeface="Cambria Math" charset="0"/>
+                          </a:rPr>
+                          <m:t>, 1</m:t>
+                        </m:r>
+                      </m:e>
+                    </m:d>
+                  </m:oMath>
+                </a14:m>
+                <a:endParaRPr lang="en-US" dirty="0" smtClean="0"/>
+              </a:p>
+              <a:p>
+                <a:r>
+                  <a:rPr lang="en-US" dirty="0" smtClean="0"/>
+                  <a:t>= 0.5 x 0.75</a:t>
+                </a:r>
+              </a:p>
+              <a:p>
+                <a:r>
+                  <a:rPr lang="en-US" dirty="0" smtClean="0"/>
+                  <a:t>= </a:t>
+                </a:r>
+                <a:r>
+                  <a:rPr lang="en-US" b="1" dirty="0" smtClean="0"/>
+                  <a:t>0.375</a:t>
+                </a:r>
+                <a:endParaRPr lang="en-US" b="1" dirty="0"/>
+              </a:p>
+            </p:txBody>
+          </p:sp>
+        </mc:Choice>
+        <mc:Fallback>
+          <p:sp>
+            <p:nvSpPr>
+              <p:cNvPr id="39" name="TextBox 38"/>
+              <p:cNvSpPr txBox="1">
+                <a:spLocks noRot="1" noChangeAspect="1" noMove="1" noResize="1" noEditPoints="1" noAdjustHandles="1" noChangeArrowheads="1" noChangeShapeType="1" noTextEdit="1"/>
+              </p:cNvSpPr>
+              <p:nvPr/>
+            </p:nvSpPr>
+            <p:spPr>
+              <a:xfrm>
+                <a:off x="6454752" y="2281619"/>
+                <a:ext cx="1834961" cy="1060868"/>
+              </a:xfrm>
+              <a:prstGeom prst="rect">
+                <a:avLst/>
+              </a:prstGeom>
+              <a:blipFill rotWithShape="0">
+                <a:blip r:embed="rId2"/>
+                <a:stretch>
+                  <a:fillRect l="-2990" t="-26437" b="-8621"/>
+                </a:stretch>
+              </a:blipFill>
+            </p:spPr>
+            <p:txBody>
+              <a:bodyPr/>
+              <a:lstStyle/>
+              <a:p>
+                <a:r>
+                  <a:rPr lang="en-US">
+                    <a:noFill/>
+                  </a:rPr>
+                  <a:t> </a:t>
+                </a:r>
+              </a:p>
+            </p:txBody>
+          </p:sp>
+        </mc:Fallback>
+      </mc:AlternateContent>
+      <mc:AlternateContent xmlns:mc="http://schemas.openxmlformats.org/markup-compatibility/2006">
+        <mc:Choice xmlns:a14="http://schemas.microsoft.com/office/drawing/2010/main" Requires="a14">
+          <p:sp>
+            <p:nvSpPr>
+              <p:cNvPr id="40" name="TextBox 39"/>
+              <p:cNvSpPr txBox="1"/>
+              <p:nvPr/>
+            </p:nvSpPr>
+            <p:spPr>
+              <a:xfrm>
+                <a:off x="8555566" y="1533582"/>
+                <a:ext cx="3229786" cy="506870"/>
+              </a:xfrm>
+              <a:prstGeom prst="rect">
+                <a:avLst/>
+              </a:prstGeom>
+              <a:noFill/>
+            </p:spPr>
+            <p:txBody>
+              <a:bodyPr wrap="square" rtlCol="0">
+                <a:spAutoFit/>
+              </a:bodyPr>
+              <a:lstStyle/>
+              <a:p>
+                <a:r>
+                  <a:rPr lang="en-US" dirty="0" smtClean="0"/>
+                  <a:t>0.5 x min</a:t>
+                </a:r>
+                <a14:m>
+                  <m:oMath xmlns:m="http://schemas.openxmlformats.org/officeDocument/2006/math">
+                    <m:r>
+                      <a:rPr lang="en-US" b="0" i="0" dirty="0" smtClean="0">
+                        <a:latin typeface="Cambria Math" charset="0"/>
+                      </a:rPr>
+                      <m:t> </m:t>
+                    </m:r>
+                    <m:d>
+                      <m:dPr>
+                        <m:ctrlPr>
+                          <a:rPr lang="is-IS" i="1" dirty="0" smtClean="0">
+                            <a:latin typeface="Cambria Math" charset="0"/>
+                          </a:rPr>
+                        </m:ctrlPr>
+                      </m:dPr>
+                      <m:e>
+                        <m:f>
+                          <m:fPr>
+                            <m:ctrlPr>
+                              <a:rPr lang="bg-BG" i="1">
+                                <a:latin typeface="Cambria Math" charset="0"/>
+                              </a:rPr>
+                            </m:ctrlPr>
+                          </m:fPr>
+                          <m:num>
+                            <m:r>
+                              <a:rPr lang="en-US" b="0" i="1" smtClean="0">
+                                <a:latin typeface="Cambria Math" charset="0"/>
+                              </a:rPr>
+                              <m:t>5</m:t>
+                            </m:r>
+                          </m:num>
+                          <m:den>
+                            <m:r>
+                              <a:rPr lang="en-US" i="1" smtClean="0">
+                                <a:latin typeface="Cambria Math" charset="0"/>
+                              </a:rPr>
+                              <m:t>4</m:t>
+                            </m:r>
+                          </m:den>
+                        </m:f>
+                        <m:r>
+                          <a:rPr lang="en-US" b="0" i="1" smtClean="0">
+                            <a:latin typeface="Cambria Math" charset="0"/>
+                          </a:rPr>
+                          <m:t>, 1</m:t>
+                        </m:r>
+                      </m:e>
+                    </m:d>
+                  </m:oMath>
+                </a14:m>
+                <a:r>
+                  <a:rPr lang="en-US" dirty="0" smtClean="0"/>
+                  <a:t> = 0.5 x 1 = </a:t>
+                </a:r>
+                <a:r>
+                  <a:rPr lang="en-US" b="1" dirty="0" smtClean="0"/>
+                  <a:t>0.5</a:t>
+                </a:r>
+                <a:endParaRPr lang="en-US" b="1" dirty="0"/>
+              </a:p>
+            </p:txBody>
+          </p:sp>
+        </mc:Choice>
+        <mc:Fallback>
+          <p:sp>
+            <p:nvSpPr>
+              <p:cNvPr id="40" name="TextBox 39"/>
+              <p:cNvSpPr txBox="1">
+                <a:spLocks noRot="1" noChangeAspect="1" noMove="1" noResize="1" noEditPoints="1" noAdjustHandles="1" noChangeArrowheads="1" noChangeShapeType="1" noTextEdit="1"/>
+              </p:cNvSpPr>
+              <p:nvPr/>
+            </p:nvSpPr>
+            <p:spPr>
+              <a:xfrm>
+                <a:off x="8555566" y="1533582"/>
+                <a:ext cx="3229786" cy="506870"/>
+              </a:xfrm>
+              <a:prstGeom prst="rect">
+                <a:avLst/>
+              </a:prstGeom>
+              <a:blipFill rotWithShape="0">
+                <a:blip r:embed="rId3"/>
+                <a:stretch>
+                  <a:fillRect l="-1509" t="-56627" r="-189" b="-75904"/>
+                </a:stretch>
+              </a:blipFill>
+            </p:spPr>
+            <p:txBody>
+              <a:bodyPr/>
+              <a:lstStyle/>
+              <a:p>
+                <a:r>
+                  <a:rPr lang="en-US">
+                    <a:noFill/>
+                  </a:rPr>
+                  <a:t> </a:t>
+                </a:r>
+              </a:p>
+            </p:txBody>
+          </p:sp>
+        </mc:Fallback>
+      </mc:AlternateContent>
+    </p:spTree>
+    <p:extLst>
+      <p:ext uri="{BB962C8B-B14F-4D97-AF65-F5344CB8AC3E}">
+        <p14:creationId xmlns:p14="http://schemas.microsoft.com/office/powerpoint/2010/main" val="486836223"/>
+      </p:ext>
+    </p:extLst>
+  </p:cSld>
+  <p:clrMapOvr>
+    <a:masterClrMapping/>
+  </p:clrMapOvr>
+  <p:timing>
+    <p:tnLst>
+      <p:par>
+        <p:cTn id="1" dur="indefinite" restart="never" nodeType="tmRoot"/>
+      </p:par>
+    </p:tnLst>
+  </p:timing>
 </p:sld>
 </file>
 

--- a/MCMCpresentation.pptx
+++ b/MCMCpresentation.pptx
@@ -7833,7 +7833,7 @@
             <p:spPr>
               <a:xfrm>
                 <a:off x="8452462" y="1237008"/>
-                <a:ext cx="2379843" cy="807465"/>
+                <a:ext cx="2379843" cy="817468"/>
               </a:xfrm>
               <a:prstGeom prst="rect">
                 <a:avLst/>
@@ -7883,25 +7883,25 @@
                           </m:fPr>
                           <m:num>
                             <m:r>
-                              <a:rPr lang="en-US" i="1">
+                              <a:rPr lang="en-US" b="0" i="1" smtClean="0">
                                 <a:latin typeface="Cambria Math" charset="0"/>
                               </a:rPr>
-                              <m:t>𝑝𝑟𝑜𝑝𝑜𝑠𝑒𝑑</m:t>
+                              <m:t>𝑆</m:t>
                             </m:r>
                             <m:r>
-                              <a:rPr lang="en-US" i="1">
+                              <a:rPr lang="en-US" b="0" i="1" smtClean="0">
                                 <a:latin typeface="Cambria Math" charset="0"/>
                               </a:rPr>
-                              <m:t> </m:t>
+                              <m:t>5 </m:t>
                             </m:r>
                             <m:r>
-                              <a:rPr lang="en-US" i="1">
+                              <a:rPr lang="en-US" b="0" i="1" smtClean="0">
                                 <a:latin typeface="Cambria Math" charset="0"/>
                               </a:rPr>
                               <m:t>𝑝𝑜𝑝</m:t>
                             </m:r>
                             <m:r>
-                              <a:rPr lang="en-US" i="1">
+                              <a:rPr lang="en-US" b="0" i="1" smtClean="0">
                                 <a:latin typeface="Cambria Math" charset="0"/>
                               </a:rPr>
                               <m:t>.</m:t>
@@ -7909,16 +7909,16 @@
                           </m:num>
                           <m:den>
                             <m:r>
-                              <a:rPr lang="en-US" i="1">
+                              <a:rPr lang="en-US" b="0" i="1" smtClean="0">
                                 <a:latin typeface="Cambria Math" charset="0"/>
                               </a:rPr>
-                              <m:t>𝑐𝑢𝑟𝑟𝑒𝑛𝑡</m:t>
+                              <m:t>𝑆</m:t>
                             </m:r>
                             <m:r>
-                              <a:rPr lang="en-US" i="1">
+                              <a:rPr lang="en-US" b="0" i="1" smtClean="0">
                                 <a:latin typeface="Cambria Math" charset="0"/>
                               </a:rPr>
-                              <m:t> </m:t>
+                              <m:t>4 </m:t>
                             </m:r>
                             <m:r>
                               <a:rPr lang="en-US" i="1">
@@ -7961,7 +7961,7 @@
             <p:spPr>
               <a:xfrm>
                 <a:off x="8452462" y="1237008"/>
-                <a:ext cx="2379843" cy="807465"/>
+                <a:ext cx="2379843" cy="817468"/>
               </a:xfrm>
               <a:prstGeom prst="rect">
                 <a:avLst/>
@@ -7969,7 +7969,7 @@
               <a:blipFill rotWithShape="0">
                 <a:blip r:embed="rId2"/>
                 <a:stretch>
-                  <a:fillRect l="-2308" t="-4545" b="-44697"/>
+                  <a:fillRect l="-2308" t="-4478" b="-42537"/>
                 </a:stretch>
               </a:blipFill>
             </p:spPr>
@@ -8049,16 +8049,16 @@
                           </m:fPr>
                           <m:num>
                             <m:r>
-                              <a:rPr lang="en-US" i="1">
+                              <a:rPr lang="en-US" b="0" i="1" smtClean="0">
                                 <a:latin typeface="Cambria Math" charset="0"/>
                               </a:rPr>
-                              <m:t>𝑝𝑟𝑜𝑝𝑜𝑠𝑒𝑑</m:t>
+                              <m:t>𝑆</m:t>
                             </m:r>
                             <m:r>
-                              <a:rPr lang="en-US" i="1">
+                              <a:rPr lang="en-US" b="0" i="1" smtClean="0">
                                 <a:latin typeface="Cambria Math" charset="0"/>
                               </a:rPr>
-                              <m:t> </m:t>
+                              <m:t>3 </m:t>
                             </m:r>
                             <m:r>
                               <a:rPr lang="en-US" i="1">
@@ -8075,16 +8075,16 @@
                           </m:num>
                           <m:den>
                             <m:r>
-                              <a:rPr lang="en-US" i="1">
+                              <a:rPr lang="en-US" b="0" i="1" smtClean="0">
                                 <a:latin typeface="Cambria Math" charset="0"/>
                               </a:rPr>
-                              <m:t>𝑐𝑢𝑟𝑟𝑒𝑛𝑡</m:t>
+                              <m:t>𝑆</m:t>
                             </m:r>
                             <m:r>
-                              <a:rPr lang="en-US" i="1">
+                              <a:rPr lang="en-US" b="0" i="1" smtClean="0">
                                 <a:latin typeface="Cambria Math" charset="0"/>
                               </a:rPr>
-                              <m:t> </m:t>
+                              <m:t>4 </m:t>
                             </m:r>
                             <m:r>
                               <a:rPr lang="en-US" i="1">
